--- a/Release Powerpoints/V3.1.0 - WIP.pptx
+++ b/Release Powerpoints/V3.1.0 - WIP.pptx
@@ -2,16 +2,23 @@
 <file path=ppt/presentation.xml><?xml version="1.0" encoding="utf-8"?>
 <p:presentation xmlns:a="http://schemas.openxmlformats.org/drawingml/2006/main" xmlns:r="http://schemas.openxmlformats.org/officeDocument/2006/relationships" xmlns:p="http://schemas.openxmlformats.org/presentationml/2006/main" saveSubsetFonts="1">
   <p:sldMasterIdLst>
-    <p:sldMasterId id="2147483660" r:id="rId1"/>
+    <p:sldMasterId id="2147483694" r:id="rId1"/>
   </p:sldMasterIdLst>
   <p:notesMasterIdLst>
-    <p:notesMasterId r:id="rId6"/>
+    <p:notesMasterId r:id="rId13"/>
   </p:notesMasterIdLst>
   <p:sldIdLst>
     <p:sldId id="256" r:id="rId2"/>
     <p:sldId id="257" r:id="rId3"/>
     <p:sldId id="258" r:id="rId4"/>
     <p:sldId id="259" r:id="rId5"/>
+    <p:sldId id="262" r:id="rId6"/>
+    <p:sldId id="263" r:id="rId7"/>
+    <p:sldId id="260" r:id="rId8"/>
+    <p:sldId id="261" r:id="rId9"/>
+    <p:sldId id="264" r:id="rId10"/>
+    <p:sldId id="265" r:id="rId11"/>
+    <p:sldId id="266" r:id="rId12"/>
   </p:sldIdLst>
   <p:sldSz cx="12192000" cy="6858000"/>
   <p:notesSz cx="6858000" cy="9144000"/>
@@ -200,7 +207,7 @@
           <a:p>
             <a:fld id="{06577787-2A66-4983-9D68-04F710E701D7}" type="datetimeFigureOut">
               <a:rPr lang="en-CA" smtClean="0"/>
-              <a:t>2018-03-14</a:t>
+              <a:t>2018-03-29</a:t>
             </a:fld>
             <a:endParaRPr lang="en-CA"/>
           </a:p>
@@ -1190,7 +1197,7 @@
           <a:p>
             <a:fld id="{CCED65F4-2A77-484B-94A0-5A930235145A}" type="datetimeFigureOut">
               <a:rPr lang="en-US" smtClean="0"/>
-              <a:t>14-Mar-18</a:t>
+              <a:t>29-Mar-18</a:t>
             </a:fld>
             <a:endParaRPr lang="en-US"/>
           </a:p>
@@ -1241,7 +1248,7 @@
     </p:spTree>
     <p:extLst>
       <p:ext uri="{BB962C8B-B14F-4D97-AF65-F5344CB8AC3E}">
-        <p14:creationId xmlns:p14="http://schemas.microsoft.com/office/powerpoint/2010/main" val="453008734"/>
+        <p14:creationId xmlns:p14="http://schemas.microsoft.com/office/powerpoint/2010/main" val="3890907924"/>
       </p:ext>
     </p:extLst>
   </p:cSld>
@@ -1441,7 +1448,7 @@
           <a:p>
             <a:fld id="{CCED65F4-2A77-484B-94A0-5A930235145A}" type="datetimeFigureOut">
               <a:rPr lang="en-US" smtClean="0"/>
-              <a:t>14-Mar-18</a:t>
+              <a:t>29-Mar-18</a:t>
             </a:fld>
             <a:endParaRPr lang="en-US"/>
           </a:p>
@@ -1492,7 +1499,7 @@
     </p:spTree>
     <p:extLst>
       <p:ext uri="{BB962C8B-B14F-4D97-AF65-F5344CB8AC3E}">
-        <p14:creationId xmlns:p14="http://schemas.microsoft.com/office/powerpoint/2010/main" val="131755190"/>
+        <p14:creationId xmlns:p14="http://schemas.microsoft.com/office/powerpoint/2010/main" val="2351099963"/>
       </p:ext>
     </p:extLst>
   </p:cSld>
@@ -1755,7 +1762,7 @@
           <a:p>
             <a:fld id="{CCED65F4-2A77-484B-94A0-5A930235145A}" type="datetimeFigureOut">
               <a:rPr lang="en-US" smtClean="0"/>
-              <a:t>14-Mar-18</a:t>
+              <a:t>29-Mar-18</a:t>
             </a:fld>
             <a:endParaRPr lang="en-US"/>
           </a:p>
@@ -1896,7 +1903,7 @@
     </p:spTree>
     <p:extLst>
       <p:ext uri="{BB962C8B-B14F-4D97-AF65-F5344CB8AC3E}">
-        <p14:creationId xmlns:p14="http://schemas.microsoft.com/office/powerpoint/2010/main" val="3056405426"/>
+        <p14:creationId xmlns:p14="http://schemas.microsoft.com/office/powerpoint/2010/main" val="2386298630"/>
       </p:ext>
     </p:extLst>
   </p:cSld>
@@ -2096,7 +2103,7 @@
           <a:p>
             <a:fld id="{CCED65F4-2A77-484B-94A0-5A930235145A}" type="datetimeFigureOut">
               <a:rPr lang="en-US" smtClean="0"/>
-              <a:t>14-Mar-18</a:t>
+              <a:t>29-Mar-18</a:t>
             </a:fld>
             <a:endParaRPr lang="en-US"/>
           </a:p>
@@ -2147,7 +2154,7 @@
     </p:spTree>
     <p:extLst>
       <p:ext uri="{BB962C8B-B14F-4D97-AF65-F5344CB8AC3E}">
-        <p14:creationId xmlns:p14="http://schemas.microsoft.com/office/powerpoint/2010/main" val="1376044485"/>
+        <p14:creationId xmlns:p14="http://schemas.microsoft.com/office/powerpoint/2010/main" val="1606800631"/>
       </p:ext>
     </p:extLst>
   </p:cSld>
@@ -2410,7 +2417,7 @@
           <a:p>
             <a:fld id="{CCED65F4-2A77-484B-94A0-5A930235145A}" type="datetimeFigureOut">
               <a:rPr lang="en-US" smtClean="0"/>
-              <a:t>14-Mar-18</a:t>
+              <a:t>29-Mar-18</a:t>
             </a:fld>
             <a:endParaRPr lang="en-US"/>
           </a:p>
@@ -2543,7 +2550,7 @@
     </p:spTree>
     <p:extLst>
       <p:ext uri="{BB962C8B-B14F-4D97-AF65-F5344CB8AC3E}">
-        <p14:creationId xmlns:p14="http://schemas.microsoft.com/office/powerpoint/2010/main" val="1787563319"/>
+        <p14:creationId xmlns:p14="http://schemas.microsoft.com/office/powerpoint/2010/main" val="1899885427"/>
       </p:ext>
     </p:extLst>
   </p:cSld>
@@ -2803,7 +2810,7 @@
           <a:p>
             <a:fld id="{CCED65F4-2A77-484B-94A0-5A930235145A}" type="datetimeFigureOut">
               <a:rPr lang="en-US" smtClean="0"/>
-              <a:t>14-Mar-18</a:t>
+              <a:t>29-Mar-18</a:t>
             </a:fld>
             <a:endParaRPr lang="en-US"/>
           </a:p>
@@ -2854,7 +2861,7 @@
     </p:spTree>
     <p:extLst>
       <p:ext uri="{BB962C8B-B14F-4D97-AF65-F5344CB8AC3E}">
-        <p14:creationId xmlns:p14="http://schemas.microsoft.com/office/powerpoint/2010/main" val="439353683"/>
+        <p14:creationId xmlns:p14="http://schemas.microsoft.com/office/powerpoint/2010/main" val="1746320455"/>
       </p:ext>
     </p:extLst>
   </p:cSld>
@@ -2973,7 +2980,7 @@
           <a:p>
             <a:fld id="{CCED65F4-2A77-484B-94A0-5A930235145A}" type="datetimeFigureOut">
               <a:rPr lang="en-US" smtClean="0"/>
-              <a:t>14-Mar-18</a:t>
+              <a:t>29-Mar-18</a:t>
             </a:fld>
             <a:endParaRPr lang="en-US"/>
           </a:p>
@@ -3024,7 +3031,7 @@
     </p:spTree>
     <p:extLst>
       <p:ext uri="{BB962C8B-B14F-4D97-AF65-F5344CB8AC3E}">
-        <p14:creationId xmlns:p14="http://schemas.microsoft.com/office/powerpoint/2010/main" val="364524571"/>
+        <p14:creationId xmlns:p14="http://schemas.microsoft.com/office/powerpoint/2010/main" val="4155849214"/>
       </p:ext>
     </p:extLst>
   </p:cSld>
@@ -3153,7 +3160,7 @@
           <a:p>
             <a:fld id="{CCED65F4-2A77-484B-94A0-5A930235145A}" type="datetimeFigureOut">
               <a:rPr lang="en-US" smtClean="0"/>
-              <a:t>14-Mar-18</a:t>
+              <a:t>29-Mar-18</a:t>
             </a:fld>
             <a:endParaRPr lang="en-US"/>
           </a:p>
@@ -3204,7 +3211,7 @@
     </p:spTree>
     <p:extLst>
       <p:ext uri="{BB962C8B-B14F-4D97-AF65-F5344CB8AC3E}">
-        <p14:creationId xmlns:p14="http://schemas.microsoft.com/office/powerpoint/2010/main" val="1391822824"/>
+        <p14:creationId xmlns:p14="http://schemas.microsoft.com/office/powerpoint/2010/main" val="3844920815"/>
       </p:ext>
     </p:extLst>
   </p:cSld>
@@ -3329,7 +3336,7 @@
           <a:p>
             <a:fld id="{CCED65F4-2A77-484B-94A0-5A930235145A}" type="datetimeFigureOut">
               <a:rPr lang="en-US" smtClean="0"/>
-              <a:t>14-Mar-18</a:t>
+              <a:t>29-Mar-18</a:t>
             </a:fld>
             <a:endParaRPr lang="en-US"/>
           </a:p>
@@ -3380,7 +3387,7 @@
     </p:spTree>
     <p:extLst>
       <p:ext uri="{BB962C8B-B14F-4D97-AF65-F5344CB8AC3E}">
-        <p14:creationId xmlns:p14="http://schemas.microsoft.com/office/powerpoint/2010/main" val="3431743968"/>
+        <p14:creationId xmlns:p14="http://schemas.microsoft.com/office/powerpoint/2010/main" val="3292789930"/>
       </p:ext>
     </p:extLst>
   </p:cSld>
@@ -3576,7 +3583,7 @@
           <a:p>
             <a:fld id="{CCED65F4-2A77-484B-94A0-5A930235145A}" type="datetimeFigureOut">
               <a:rPr lang="en-US" smtClean="0"/>
-              <a:t>14-Mar-18</a:t>
+              <a:t>29-Mar-18</a:t>
             </a:fld>
             <a:endParaRPr lang="en-US"/>
           </a:p>
@@ -3627,7 +3634,7 @@
     </p:spTree>
     <p:extLst>
       <p:ext uri="{BB962C8B-B14F-4D97-AF65-F5344CB8AC3E}">
-        <p14:creationId xmlns:p14="http://schemas.microsoft.com/office/powerpoint/2010/main" val="694179496"/>
+        <p14:creationId xmlns:p14="http://schemas.microsoft.com/office/powerpoint/2010/main" val="741341125"/>
       </p:ext>
     </p:extLst>
   </p:cSld>
@@ -3808,7 +3815,7 @@
           <a:p>
             <a:fld id="{CCED65F4-2A77-484B-94A0-5A930235145A}" type="datetimeFigureOut">
               <a:rPr lang="en-US" smtClean="0"/>
-              <a:t>14-Mar-18</a:t>
+              <a:t>29-Mar-18</a:t>
             </a:fld>
             <a:endParaRPr lang="en-US"/>
           </a:p>
@@ -3859,7 +3866,7 @@
     </p:spTree>
     <p:extLst>
       <p:ext uri="{BB962C8B-B14F-4D97-AF65-F5344CB8AC3E}">
-        <p14:creationId xmlns:p14="http://schemas.microsoft.com/office/powerpoint/2010/main" val="3556910507"/>
+        <p14:creationId xmlns:p14="http://schemas.microsoft.com/office/powerpoint/2010/main" val="1280178086"/>
       </p:ext>
     </p:extLst>
   </p:cSld>
@@ -4182,7 +4189,7 @@
           <a:p>
             <a:fld id="{CCED65F4-2A77-484B-94A0-5A930235145A}" type="datetimeFigureOut">
               <a:rPr lang="en-US" smtClean="0"/>
-              <a:t>14-Mar-18</a:t>
+              <a:t>29-Mar-18</a:t>
             </a:fld>
             <a:endParaRPr lang="en-US"/>
           </a:p>
@@ -4233,7 +4240,7 @@
     </p:spTree>
     <p:extLst>
       <p:ext uri="{BB962C8B-B14F-4D97-AF65-F5344CB8AC3E}">
-        <p14:creationId xmlns:p14="http://schemas.microsoft.com/office/powerpoint/2010/main" val="1624276572"/>
+        <p14:creationId xmlns:p14="http://schemas.microsoft.com/office/powerpoint/2010/main" val="1880933095"/>
       </p:ext>
     </p:extLst>
   </p:cSld>
@@ -4305,7 +4312,7 @@
           <a:p>
             <a:fld id="{CCED65F4-2A77-484B-94A0-5A930235145A}" type="datetimeFigureOut">
               <a:rPr lang="en-US" smtClean="0"/>
-              <a:t>14-Mar-18</a:t>
+              <a:t>29-Mar-18</a:t>
             </a:fld>
             <a:endParaRPr lang="en-US"/>
           </a:p>
@@ -4356,7 +4363,7 @@
     </p:spTree>
     <p:extLst>
       <p:ext uri="{BB962C8B-B14F-4D97-AF65-F5344CB8AC3E}">
-        <p14:creationId xmlns:p14="http://schemas.microsoft.com/office/powerpoint/2010/main" val="3687704190"/>
+        <p14:creationId xmlns:p14="http://schemas.microsoft.com/office/powerpoint/2010/main" val="3595410449"/>
       </p:ext>
     </p:extLst>
   </p:cSld>
@@ -4400,7 +4407,7 @@
           <a:p>
             <a:fld id="{CCED65F4-2A77-484B-94A0-5A930235145A}" type="datetimeFigureOut">
               <a:rPr lang="en-US" smtClean="0"/>
-              <a:t>14-Mar-18</a:t>
+              <a:t>29-Mar-18</a:t>
             </a:fld>
             <a:endParaRPr lang="en-US"/>
           </a:p>
@@ -4451,7 +4458,7 @@
     </p:spTree>
     <p:extLst>
       <p:ext uri="{BB962C8B-B14F-4D97-AF65-F5344CB8AC3E}">
-        <p14:creationId xmlns:p14="http://schemas.microsoft.com/office/powerpoint/2010/main" val="2964561037"/>
+        <p14:creationId xmlns:p14="http://schemas.microsoft.com/office/powerpoint/2010/main" val="2938510472"/>
       </p:ext>
     </p:extLst>
   </p:cSld>
@@ -4655,7 +4662,7 @@
           <a:p>
             <a:fld id="{CCED65F4-2A77-484B-94A0-5A930235145A}" type="datetimeFigureOut">
               <a:rPr lang="en-US" smtClean="0"/>
-              <a:t>14-Mar-18</a:t>
+              <a:t>29-Mar-18</a:t>
             </a:fld>
             <a:endParaRPr lang="en-US"/>
           </a:p>
@@ -4706,7 +4713,7 @@
     </p:spTree>
     <p:extLst>
       <p:ext uri="{BB962C8B-B14F-4D97-AF65-F5344CB8AC3E}">
-        <p14:creationId xmlns:p14="http://schemas.microsoft.com/office/powerpoint/2010/main" val="2872903342"/>
+        <p14:creationId xmlns:p14="http://schemas.microsoft.com/office/powerpoint/2010/main" val="893152089"/>
       </p:ext>
     </p:extLst>
   </p:cSld>
@@ -4918,7 +4925,7 @@
           <a:p>
             <a:fld id="{CCED65F4-2A77-484B-94A0-5A930235145A}" type="datetimeFigureOut">
               <a:rPr lang="en-US" smtClean="0"/>
-              <a:t>14-Mar-18</a:t>
+              <a:t>29-Mar-18</a:t>
             </a:fld>
             <a:endParaRPr lang="en-US"/>
           </a:p>
@@ -4969,7 +4976,7 @@
     </p:spTree>
     <p:extLst>
       <p:ext uri="{BB962C8B-B14F-4D97-AF65-F5344CB8AC3E}">
-        <p14:creationId xmlns:p14="http://schemas.microsoft.com/office/powerpoint/2010/main" val="4122027910"/>
+        <p14:creationId xmlns:p14="http://schemas.microsoft.com/office/powerpoint/2010/main" val="3594155613"/>
       </p:ext>
     </p:extLst>
   </p:cSld>
@@ -5661,7 +5668,7 @@
           <a:p>
             <a:fld id="{CCED65F4-2A77-484B-94A0-5A930235145A}" type="datetimeFigureOut">
               <a:rPr lang="en-US" smtClean="0"/>
-              <a:t>14-Mar-18</a:t>
+              <a:t>29-Mar-18</a:t>
             </a:fld>
             <a:endParaRPr lang="en-US"/>
           </a:p>
@@ -5746,28 +5753,28 @@
     </p:spTree>
     <p:extLst>
       <p:ext uri="{BB962C8B-B14F-4D97-AF65-F5344CB8AC3E}">
-        <p14:creationId xmlns:p14="http://schemas.microsoft.com/office/powerpoint/2010/main" val="2963823056"/>
+        <p14:creationId xmlns:p14="http://schemas.microsoft.com/office/powerpoint/2010/main" val="3284653744"/>
       </p:ext>
     </p:extLst>
   </p:cSld>
   <p:clrMap bg1="lt1" tx1="dk1" bg2="lt2" tx2="dk2" accent1="accent1" accent2="accent2" accent3="accent3" accent4="accent4" accent5="accent5" accent6="accent6" hlink="hlink" folHlink="folHlink"/>
   <p:sldLayoutIdLst>
-    <p:sldLayoutId id="2147483661" r:id="rId1"/>
-    <p:sldLayoutId id="2147483662" r:id="rId2"/>
-    <p:sldLayoutId id="2147483663" r:id="rId3"/>
-    <p:sldLayoutId id="2147483664" r:id="rId4"/>
-    <p:sldLayoutId id="2147483665" r:id="rId5"/>
-    <p:sldLayoutId id="2147483666" r:id="rId6"/>
-    <p:sldLayoutId id="2147483667" r:id="rId7"/>
-    <p:sldLayoutId id="2147483668" r:id="rId8"/>
-    <p:sldLayoutId id="2147483669" r:id="rId9"/>
-    <p:sldLayoutId id="2147483670" r:id="rId10"/>
-    <p:sldLayoutId id="2147483671" r:id="rId11"/>
-    <p:sldLayoutId id="2147483672" r:id="rId12"/>
-    <p:sldLayoutId id="2147483673" r:id="rId13"/>
-    <p:sldLayoutId id="2147483674" r:id="rId14"/>
-    <p:sldLayoutId id="2147483675" r:id="rId15"/>
-    <p:sldLayoutId id="2147483676" r:id="rId16"/>
+    <p:sldLayoutId id="2147483695" r:id="rId1"/>
+    <p:sldLayoutId id="2147483696" r:id="rId2"/>
+    <p:sldLayoutId id="2147483697" r:id="rId3"/>
+    <p:sldLayoutId id="2147483698" r:id="rId4"/>
+    <p:sldLayoutId id="2147483699" r:id="rId5"/>
+    <p:sldLayoutId id="2147483700" r:id="rId6"/>
+    <p:sldLayoutId id="2147483701" r:id="rId7"/>
+    <p:sldLayoutId id="2147483702" r:id="rId8"/>
+    <p:sldLayoutId id="2147483703" r:id="rId9"/>
+    <p:sldLayoutId id="2147483704" r:id="rId10"/>
+    <p:sldLayoutId id="2147483705" r:id="rId11"/>
+    <p:sldLayoutId id="2147483706" r:id="rId12"/>
+    <p:sldLayoutId id="2147483707" r:id="rId13"/>
+    <p:sldLayoutId id="2147483708" r:id="rId14"/>
+    <p:sldLayoutId id="2147483709" r:id="rId15"/>
+    <p:sldLayoutId id="2147483710" r:id="rId16"/>
   </p:sldLayoutIdLst>
   <p:txStyles>
     <p:titleStyle>
@@ -6254,7 +6261,7 @@
 </p:sld>
 </file>
 
-<file path=ppt/slides/slide2.xml><?xml version="1.0" encoding="utf-8"?>
+<file path=ppt/slides/slide10.xml><?xml version="1.0" encoding="utf-8"?>
 <p:sld xmlns:a="http://schemas.openxmlformats.org/drawingml/2006/main" xmlns:r="http://schemas.openxmlformats.org/officeDocument/2006/relationships" xmlns:p="http://schemas.openxmlformats.org/presentationml/2006/main">
   <p:cSld>
     <p:spTree>
@@ -6276,6 +6283,962 @@
           <p:cNvPr id="2" name="Title 1">
             <a:extLst>
               <a:ext uri="{FF2B5EF4-FFF2-40B4-BE49-F238E27FC236}">
+                <a16:creationId xmlns:a16="http://schemas.microsoft.com/office/drawing/2014/main" id="{005707A5-BB14-4EBC-92DC-E530D87ED65A}"/>
+              </a:ext>
+            </a:extLst>
+          </p:cNvPr>
+          <p:cNvSpPr>
+            <a:spLocks noGrp="1"/>
+          </p:cNvSpPr>
+          <p:nvPr>
+            <p:ph type="title"/>
+          </p:nvPr>
+        </p:nvSpPr>
+        <p:spPr/>
+        <p:txBody>
+          <a:bodyPr/>
+          <a:lstStyle/>
+          <a:p>
+            <a:endParaRPr lang="en-US"/>
+          </a:p>
+        </p:txBody>
+      </p:sp>
+      <p:sp>
+        <p:nvSpPr>
+          <p:cNvPr id="3" name="Content Placeholder 2">
+            <a:extLst>
+              <a:ext uri="{FF2B5EF4-FFF2-40B4-BE49-F238E27FC236}">
+                <a16:creationId xmlns:a16="http://schemas.microsoft.com/office/drawing/2014/main" id="{EF004979-176D-45F6-976E-3886573BA3BB}"/>
+              </a:ext>
+            </a:extLst>
+          </p:cNvPr>
+          <p:cNvSpPr>
+            <a:spLocks noGrp="1"/>
+          </p:cNvSpPr>
+          <p:nvPr>
+            <p:ph idx="1"/>
+          </p:nvPr>
+        </p:nvSpPr>
+        <p:spPr/>
+        <p:txBody>
+          <a:bodyPr/>
+          <a:lstStyle/>
+          <a:p>
+            <a:endParaRPr lang="en-US"/>
+          </a:p>
+        </p:txBody>
+      </p:sp>
+    </p:spTree>
+    <p:extLst>
+      <p:ext uri="{BB962C8B-B14F-4D97-AF65-F5344CB8AC3E}">
+        <p14:creationId xmlns:p14="http://schemas.microsoft.com/office/powerpoint/2010/main" val="465797068"/>
+      </p:ext>
+    </p:extLst>
+  </p:cSld>
+  <p:clrMapOvr>
+    <a:masterClrMapping/>
+  </p:clrMapOvr>
+</p:sld>
+</file>
+
+<file path=ppt/slides/slide11.xml><?xml version="1.0" encoding="utf-8"?>
+<p:sld xmlns:a="http://schemas.openxmlformats.org/drawingml/2006/main" xmlns:r="http://schemas.openxmlformats.org/officeDocument/2006/relationships" xmlns:p="http://schemas.openxmlformats.org/presentationml/2006/main">
+  <p:cSld>
+    <p:bg>
+      <p:bgPr>
+        <a:solidFill>
+          <a:schemeClr val="bg2"/>
+        </a:solidFill>
+        <a:effectLst/>
+      </p:bgPr>
+    </p:bg>
+    <p:spTree>
+      <p:nvGrpSpPr>
+        <p:cNvPr id="1" name=""/>
+        <p:cNvGrpSpPr/>
+        <p:nvPr/>
+      </p:nvGrpSpPr>
+      <p:grpSpPr>
+        <a:xfrm>
+          <a:off x="0" y="0"/>
+          <a:ext cx="0" cy="0"/>
+          <a:chOff x="0" y="0"/>
+          <a:chExt cx="0" cy="0"/>
+        </a:xfrm>
+      </p:grpSpPr>
+      <p:sp useBgFill="1">
+        <p:nvSpPr>
+          <p:cNvPr id="40" name="Rectangle 7">
+            <a:extLst>
+              <a:ext uri="{FF2B5EF4-FFF2-40B4-BE49-F238E27FC236}">
+                <a16:creationId xmlns:a16="http://schemas.microsoft.com/office/drawing/2014/main" id="{A65AC7D1-EAA9-48F5-B509-60A7F50BF703}"/>
+              </a:ext>
+            </a:extLst>
+          </p:cNvPr>
+          <p:cNvSpPr>
+            <a:spLocks noGrp="1" noRot="1" noChangeAspect="1" noMove="1" noResize="1" noEditPoints="1" noAdjustHandles="1" noChangeArrowheads="1" noChangeShapeType="1" noTextEdit="1"/>
+          </p:cNvSpPr>
+          <p:nvPr>
+            <p:extLst>
+              <p:ext uri="{386F3935-93C4-4BCD-93E2-E3B085C9AB24}">
+                <p16:designElem xmlns:p16="http://schemas.microsoft.com/office/powerpoint/2015/main" val="1"/>
+              </p:ext>
+            </p:extLst>
+          </p:nvPr>
+        </p:nvSpPr>
+        <p:spPr>
+          <a:xfrm>
+            <a:off x="0" y="0"/>
+            <a:ext cx="12192000" cy="6858000"/>
+          </a:xfrm>
+          <a:prstGeom prst="rect">
+            <a:avLst/>
+          </a:prstGeom>
+          <a:ln>
+            <a:noFill/>
+          </a:ln>
+        </p:spPr>
+        <p:style>
+          <a:lnRef idx="2">
+            <a:schemeClr val="accent1">
+              <a:shade val="50000"/>
+            </a:schemeClr>
+          </a:lnRef>
+          <a:fillRef idx="1">
+            <a:schemeClr val="accent1"/>
+          </a:fillRef>
+          <a:effectRef idx="0">
+            <a:schemeClr val="accent1"/>
+          </a:effectRef>
+          <a:fontRef idx="minor">
+            <a:schemeClr val="lt1"/>
+          </a:fontRef>
+        </p:style>
+        <p:txBody>
+          <a:bodyPr rtlCol="0" anchor="ctr"/>
+          <a:lstStyle/>
+          <a:p>
+            <a:pPr algn="ctr"/>
+            <a:endParaRPr lang="en-US" dirty="0"/>
+          </a:p>
+        </p:txBody>
+      </p:sp>
+      <p:sp useBgFill="1">
+        <p:nvSpPr>
+          <p:cNvPr id="10" name="Rectangle 9">
+            <a:extLst>
+              <a:ext uri="{FF2B5EF4-FFF2-40B4-BE49-F238E27FC236}">
+                <a16:creationId xmlns:a16="http://schemas.microsoft.com/office/drawing/2014/main" id="{D6320AF9-619A-4175-865B-5663E1AEF4C5}"/>
+              </a:ext>
+            </a:extLst>
+          </p:cNvPr>
+          <p:cNvSpPr>
+            <a:spLocks noGrp="1" noRot="1" noChangeAspect="1" noMove="1" noResize="1" noEditPoints="1" noAdjustHandles="1" noChangeArrowheads="1" noChangeShapeType="1" noTextEdit="1"/>
+          </p:cNvSpPr>
+          <p:nvPr>
+            <p:extLst>
+              <p:ext uri="{386F3935-93C4-4BCD-93E2-E3B085C9AB24}">
+                <p16:designElem xmlns:p16="http://schemas.microsoft.com/office/powerpoint/2015/main" val="1"/>
+              </p:ext>
+            </p:extLst>
+          </p:nvPr>
+        </p:nvSpPr>
+        <p:spPr>
+          <a:xfrm>
+            <a:off x="0" y="0"/>
+            <a:ext cx="12192000" cy="6858000"/>
+          </a:xfrm>
+          <a:prstGeom prst="rect">
+            <a:avLst/>
+          </a:prstGeom>
+          <a:ln>
+            <a:noFill/>
+          </a:ln>
+        </p:spPr>
+        <p:style>
+          <a:lnRef idx="2">
+            <a:schemeClr val="accent1">
+              <a:shade val="50000"/>
+            </a:schemeClr>
+          </a:lnRef>
+          <a:fillRef idx="1">
+            <a:schemeClr val="accent1"/>
+          </a:fillRef>
+          <a:effectRef idx="0">
+            <a:schemeClr val="accent1"/>
+          </a:effectRef>
+          <a:fontRef idx="minor">
+            <a:schemeClr val="lt1"/>
+          </a:fontRef>
+        </p:style>
+        <p:txBody>
+          <a:bodyPr rtlCol="0" anchor="ctr"/>
+          <a:lstStyle/>
+          <a:p>
+            <a:pPr algn="ctr"/>
+            <a:endParaRPr lang="en-US"/>
+          </a:p>
+        </p:txBody>
+      </p:sp>
+      <p:cxnSp>
+        <p:nvCxnSpPr>
+          <p:cNvPr id="12" name="Straight Connector 11">
+            <a:extLst>
+              <a:ext uri="{FF2B5EF4-FFF2-40B4-BE49-F238E27FC236}">
+                <a16:creationId xmlns:a16="http://schemas.microsoft.com/office/drawing/2014/main" id="{063B6EC6-D752-4EE7-908B-F8F19E8C7FEA}"/>
+              </a:ext>
+            </a:extLst>
+          </p:cNvPr>
+          <p:cNvCxnSpPr>
+            <a:cxnSpLocks noGrp="1" noRot="1" noChangeAspect="1" noMove="1" noResize="1" noEditPoints="1" noAdjustHandles="1" noChangeArrowheads="1" noChangeShapeType="1"/>
+          </p:cNvCxnSpPr>
+          <p:nvPr>
+            <p:extLst>
+              <p:ext uri="{386F3935-93C4-4BCD-93E2-E3B085C9AB24}">
+                <p16:designElem xmlns:p16="http://schemas.microsoft.com/office/powerpoint/2015/main" val="1"/>
+              </p:ext>
+            </p:extLst>
+          </p:nvPr>
+        </p:nvCxnSpPr>
+        <p:spPr>
+          <a:xfrm>
+            <a:off x="3953376" y="0"/>
+            <a:ext cx="1219200" cy="6858000"/>
+          </a:xfrm>
+          <a:prstGeom prst="line">
+            <a:avLst/>
+          </a:prstGeom>
+          <a:ln w="9525">
+            <a:solidFill>
+              <a:schemeClr val="accent1">
+                <a:lumMod val="75000"/>
+              </a:schemeClr>
+            </a:solidFill>
+          </a:ln>
+        </p:spPr>
+        <p:style>
+          <a:lnRef idx="2">
+            <a:schemeClr val="accent1"/>
+          </a:lnRef>
+          <a:fillRef idx="0">
+            <a:schemeClr val="accent1"/>
+          </a:fillRef>
+          <a:effectRef idx="1">
+            <a:schemeClr val="accent1"/>
+          </a:effectRef>
+          <a:fontRef idx="minor">
+            <a:schemeClr val="tx1"/>
+          </a:fontRef>
+        </p:style>
+      </p:cxnSp>
+      <p:cxnSp>
+        <p:nvCxnSpPr>
+          <p:cNvPr id="14" name="Straight Connector 13">
+            <a:extLst>
+              <a:ext uri="{FF2B5EF4-FFF2-40B4-BE49-F238E27FC236}">
+                <a16:creationId xmlns:a16="http://schemas.microsoft.com/office/drawing/2014/main" id="{EFECD4E8-AD3E-4228-82A2-9461958EA94D}"/>
+              </a:ext>
+            </a:extLst>
+          </p:cNvPr>
+          <p:cNvCxnSpPr>
+            <a:cxnSpLocks noGrp="1" noRot="1" noChangeAspect="1" noMove="1" noResize="1" noEditPoints="1" noAdjustHandles="1" noChangeArrowheads="1" noChangeShapeType="1"/>
+          </p:cNvCxnSpPr>
+          <p:nvPr>
+            <p:extLst>
+              <p:ext uri="{386F3935-93C4-4BCD-93E2-E3B085C9AB24}">
+                <p16:designElem xmlns:p16="http://schemas.microsoft.com/office/powerpoint/2015/main" val="1"/>
+              </p:ext>
+            </p:extLst>
+          </p:nvPr>
+        </p:nvCxnSpPr>
+        <p:spPr>
+          <a:xfrm flipH="1">
+            <a:off x="2133042" y="3681413"/>
+            <a:ext cx="4763558" cy="3176587"/>
+          </a:xfrm>
+          <a:prstGeom prst="line">
+            <a:avLst/>
+          </a:prstGeom>
+          <a:ln w="9525">
+            <a:solidFill>
+              <a:schemeClr val="tx1">
+                <a:lumMod val="50000"/>
+                <a:lumOff val="50000"/>
+                <a:alpha val="80000"/>
+              </a:schemeClr>
+            </a:solidFill>
+          </a:ln>
+        </p:spPr>
+        <p:style>
+          <a:lnRef idx="2">
+            <a:schemeClr val="accent1"/>
+          </a:lnRef>
+          <a:fillRef idx="0">
+            <a:schemeClr val="accent1"/>
+          </a:fillRef>
+          <a:effectRef idx="1">
+            <a:schemeClr val="accent1"/>
+          </a:effectRef>
+          <a:fontRef idx="minor">
+            <a:schemeClr val="tx1"/>
+          </a:fontRef>
+        </p:style>
+      </p:cxnSp>
+      <p:sp>
+        <p:nvSpPr>
+          <p:cNvPr id="16" name="Rectangle 23">
+            <a:extLst>
+              <a:ext uri="{FF2B5EF4-FFF2-40B4-BE49-F238E27FC236}">
+                <a16:creationId xmlns:a16="http://schemas.microsoft.com/office/drawing/2014/main" id="{7E018740-5C2B-4A41-AC1A-7E68D1EC1954}"/>
+              </a:ext>
+            </a:extLst>
+          </p:cNvPr>
+          <p:cNvSpPr>
+            <a:spLocks noGrp="1" noRot="1" noChangeAspect="1" noMove="1" noResize="1" noEditPoints="1" noAdjustHandles="1" noChangeArrowheads="1" noChangeShapeType="1" noTextEdit="1"/>
+          </p:cNvSpPr>
+          <p:nvPr>
+            <p:extLst>
+              <p:ext uri="{386F3935-93C4-4BCD-93E2-E3B085C9AB24}">
+                <p16:designElem xmlns:p16="http://schemas.microsoft.com/office/powerpoint/2015/main" val="1"/>
+              </p:ext>
+            </p:extLst>
+          </p:nvPr>
+        </p:nvSpPr>
+        <p:spPr>
+          <a:xfrm>
+            <a:off x="3324631" y="-8467"/>
+            <a:ext cx="3007349" cy="6866467"/>
+          </a:xfrm>
+          <a:custGeom>
+            <a:avLst/>
+            <a:gdLst/>
+            <a:ahLst/>
+            <a:cxnLst/>
+            <a:rect l="l" t="t" r="r" b="b"/>
+            <a:pathLst>
+              <a:path w="3007349" h="6866467">
+                <a:moveTo>
+                  <a:pt x="2045532" y="0"/>
+                </a:moveTo>
+                <a:lnTo>
+                  <a:pt x="3007349" y="0"/>
+                </a:lnTo>
+                <a:lnTo>
+                  <a:pt x="3007349" y="6866467"/>
+                </a:lnTo>
+                <a:lnTo>
+                  <a:pt x="0" y="6866467"/>
+                </a:lnTo>
+                <a:lnTo>
+                  <a:pt x="2045532" y="0"/>
+                </a:lnTo>
+                <a:close/>
+              </a:path>
+            </a:pathLst>
+          </a:custGeom>
+          <a:solidFill>
+            <a:schemeClr val="accent1">
+              <a:alpha val="30000"/>
+            </a:schemeClr>
+          </a:solidFill>
+          <a:ln>
+            <a:noFill/>
+          </a:ln>
+          <a:effectLst/>
+        </p:spPr>
+        <p:style>
+          <a:lnRef idx="1">
+            <a:schemeClr val="accent1"/>
+          </a:lnRef>
+          <a:fillRef idx="3">
+            <a:schemeClr val="accent1"/>
+          </a:fillRef>
+          <a:effectRef idx="2">
+            <a:schemeClr val="accent1"/>
+          </a:effectRef>
+          <a:fontRef idx="minor">
+            <a:schemeClr val="lt1"/>
+          </a:fontRef>
+        </p:style>
+      </p:sp>
+      <p:sp>
+        <p:nvSpPr>
+          <p:cNvPr id="18" name="Rectangle 25">
+            <a:extLst>
+              <a:ext uri="{FF2B5EF4-FFF2-40B4-BE49-F238E27FC236}">
+                <a16:creationId xmlns:a16="http://schemas.microsoft.com/office/drawing/2014/main" id="{166F75A4-C475-4941-8EE2-B80A06A2C1BB}"/>
+              </a:ext>
+            </a:extLst>
+          </p:cNvPr>
+          <p:cNvSpPr>
+            <a:spLocks noGrp="1" noRot="1" noChangeAspect="1" noMove="1" noResize="1" noEditPoints="1" noAdjustHandles="1" noChangeArrowheads="1" noChangeShapeType="1" noTextEdit="1"/>
+          </p:cNvSpPr>
+          <p:nvPr>
+            <p:extLst>
+              <p:ext uri="{386F3935-93C4-4BCD-93E2-E3B085C9AB24}">
+                <p16:designElem xmlns:p16="http://schemas.microsoft.com/office/powerpoint/2015/main" val="1"/>
+              </p:ext>
+            </p:extLst>
+          </p:nvPr>
+        </p:nvSpPr>
+        <p:spPr>
+          <a:xfrm>
+            <a:off x="3746597" y="-8467"/>
+            <a:ext cx="2588558" cy="6866467"/>
+          </a:xfrm>
+          <a:custGeom>
+            <a:avLst/>
+            <a:gdLst/>
+            <a:ahLst/>
+            <a:cxnLst/>
+            <a:rect l="l" t="t" r="r" b="b"/>
+            <a:pathLst>
+              <a:path w="2573311" h="6866467">
+                <a:moveTo>
+                  <a:pt x="0" y="0"/>
+                </a:moveTo>
+                <a:lnTo>
+                  <a:pt x="2573311" y="0"/>
+                </a:lnTo>
+                <a:lnTo>
+                  <a:pt x="2573311" y="6866467"/>
+                </a:lnTo>
+                <a:lnTo>
+                  <a:pt x="1202336" y="6866467"/>
+                </a:lnTo>
+                <a:lnTo>
+                  <a:pt x="0" y="0"/>
+                </a:lnTo>
+                <a:close/>
+              </a:path>
+            </a:pathLst>
+          </a:custGeom>
+          <a:solidFill>
+            <a:schemeClr val="accent1">
+              <a:alpha val="20000"/>
+            </a:schemeClr>
+          </a:solidFill>
+          <a:ln>
+            <a:noFill/>
+          </a:ln>
+          <a:effectLst/>
+        </p:spPr>
+        <p:style>
+          <a:lnRef idx="1">
+            <a:schemeClr val="accent1"/>
+          </a:lnRef>
+          <a:fillRef idx="3">
+            <a:schemeClr val="accent1"/>
+          </a:fillRef>
+          <a:effectRef idx="2">
+            <a:schemeClr val="accent1"/>
+          </a:effectRef>
+          <a:fontRef idx="minor">
+            <a:schemeClr val="lt1"/>
+          </a:fontRef>
+        </p:style>
+      </p:sp>
+      <p:sp>
+        <p:nvSpPr>
+          <p:cNvPr id="41" name="Isosceles Triangle 19">
+            <a:extLst>
+              <a:ext uri="{FF2B5EF4-FFF2-40B4-BE49-F238E27FC236}">
+                <a16:creationId xmlns:a16="http://schemas.microsoft.com/office/drawing/2014/main" id="{A032553A-72E8-4B0D-8405-FF9771C9AF05}"/>
+              </a:ext>
+            </a:extLst>
+          </p:cNvPr>
+          <p:cNvSpPr>
+            <a:spLocks noGrp="1" noRot="1" noChangeAspect="1" noMove="1" noResize="1" noEditPoints="1" noAdjustHandles="1" noChangeArrowheads="1" noChangeShapeType="1" noTextEdit="1"/>
+          </p:cNvSpPr>
+          <p:nvPr>
+            <p:extLst>
+              <p:ext uri="{386F3935-93C4-4BCD-93E2-E3B085C9AB24}">
+                <p16:designElem xmlns:p16="http://schemas.microsoft.com/office/powerpoint/2015/main" val="1"/>
+              </p:ext>
+            </p:extLst>
+          </p:nvPr>
+        </p:nvSpPr>
+        <p:spPr>
+          <a:xfrm>
+            <a:off x="3075488" y="3048000"/>
+            <a:ext cx="3259667" cy="3810000"/>
+          </a:xfrm>
+          <a:prstGeom prst="triangle">
+            <a:avLst>
+              <a:gd name="adj" fmla="val 100000"/>
+            </a:avLst>
+          </a:prstGeom>
+          <a:solidFill>
+            <a:schemeClr val="accent2">
+              <a:alpha val="72000"/>
+            </a:schemeClr>
+          </a:solidFill>
+          <a:ln>
+            <a:noFill/>
+          </a:ln>
+          <a:effectLst/>
+        </p:spPr>
+        <p:style>
+          <a:lnRef idx="1">
+            <a:schemeClr val="accent1"/>
+          </a:lnRef>
+          <a:fillRef idx="3">
+            <a:schemeClr val="accent1"/>
+          </a:fillRef>
+          <a:effectRef idx="2">
+            <a:schemeClr val="accent1"/>
+          </a:effectRef>
+          <a:fontRef idx="minor">
+            <a:schemeClr val="lt1"/>
+          </a:fontRef>
+        </p:style>
+      </p:sp>
+      <p:sp>
+        <p:nvSpPr>
+          <p:cNvPr id="42" name="Rectangle 27">
+            <a:extLst>
+              <a:ext uri="{FF2B5EF4-FFF2-40B4-BE49-F238E27FC236}">
+                <a16:creationId xmlns:a16="http://schemas.microsoft.com/office/drawing/2014/main" id="{765800AC-C3B9-498E-87BC-29FAE4C76B21}"/>
+              </a:ext>
+            </a:extLst>
+          </p:cNvPr>
+          <p:cNvSpPr>
+            <a:spLocks noGrp="1" noRot="1" noChangeAspect="1" noMove="1" noResize="1" noEditPoints="1" noAdjustHandles="1" noChangeArrowheads="1" noChangeShapeType="1" noTextEdit="1"/>
+          </p:cNvSpPr>
+          <p:nvPr>
+            <p:extLst>
+              <p:ext uri="{386F3935-93C4-4BCD-93E2-E3B085C9AB24}">
+                <p16:designElem xmlns:p16="http://schemas.microsoft.com/office/powerpoint/2015/main" val="1"/>
+              </p:ext>
+            </p:extLst>
+          </p:nvPr>
+        </p:nvSpPr>
+        <p:spPr>
+          <a:xfrm>
+            <a:off x="3477655" y="-8467"/>
+            <a:ext cx="2854326" cy="6866467"/>
+          </a:xfrm>
+          <a:custGeom>
+            <a:avLst/>
+            <a:gdLst/>
+            <a:ahLst/>
+            <a:cxnLst/>
+            <a:rect l="l" t="t" r="r" b="b"/>
+            <a:pathLst>
+              <a:path w="2858013" h="6866467">
+                <a:moveTo>
+                  <a:pt x="0" y="0"/>
+                </a:moveTo>
+                <a:lnTo>
+                  <a:pt x="2858013" y="0"/>
+                </a:lnTo>
+                <a:lnTo>
+                  <a:pt x="2858013" y="6866467"/>
+                </a:lnTo>
+                <a:lnTo>
+                  <a:pt x="2473942" y="6866467"/>
+                </a:lnTo>
+                <a:lnTo>
+                  <a:pt x="0" y="0"/>
+                </a:lnTo>
+                <a:close/>
+              </a:path>
+            </a:pathLst>
+          </a:custGeom>
+          <a:solidFill>
+            <a:schemeClr val="accent2">
+              <a:lumMod val="75000"/>
+              <a:alpha val="70000"/>
+            </a:schemeClr>
+          </a:solidFill>
+          <a:ln>
+            <a:noFill/>
+          </a:ln>
+          <a:effectLst/>
+        </p:spPr>
+        <p:style>
+          <a:lnRef idx="1">
+            <a:schemeClr val="accent1"/>
+          </a:lnRef>
+          <a:fillRef idx="3">
+            <a:schemeClr val="accent1"/>
+          </a:fillRef>
+          <a:effectRef idx="2">
+            <a:schemeClr val="accent1"/>
+          </a:effectRef>
+          <a:fontRef idx="minor">
+            <a:schemeClr val="lt1"/>
+          </a:fontRef>
+        </p:style>
+      </p:sp>
+      <p:sp>
+        <p:nvSpPr>
+          <p:cNvPr id="43" name="Isosceles Triangle 23">
+            <a:extLst>
+              <a:ext uri="{FF2B5EF4-FFF2-40B4-BE49-F238E27FC236}">
+                <a16:creationId xmlns:a16="http://schemas.microsoft.com/office/drawing/2014/main" id="{1F9D6ACB-2FF4-49F9-978A-E0D5327FC635}"/>
+              </a:ext>
+            </a:extLst>
+          </p:cNvPr>
+          <p:cNvSpPr>
+            <a:spLocks noGrp="1" noRot="1" noChangeAspect="1" noMove="1" noResize="1" noEditPoints="1" noAdjustHandles="1" noChangeArrowheads="1" noChangeShapeType="1" noTextEdit="1"/>
+          </p:cNvSpPr>
+          <p:nvPr>
+            <p:extLst>
+              <p:ext uri="{386F3935-93C4-4BCD-93E2-E3B085C9AB24}">
+                <p16:designElem xmlns:p16="http://schemas.microsoft.com/office/powerpoint/2015/main" val="1"/>
+              </p:ext>
+            </p:extLst>
+          </p:nvPr>
+        </p:nvSpPr>
+        <p:spPr>
+          <a:xfrm>
+            <a:off x="4514821" y="3589867"/>
+            <a:ext cx="1817159" cy="3268133"/>
+          </a:xfrm>
+          <a:prstGeom prst="triangle">
+            <a:avLst>
+              <a:gd name="adj" fmla="val 100000"/>
+            </a:avLst>
+          </a:prstGeom>
+          <a:solidFill>
+            <a:schemeClr val="accent1">
+              <a:alpha val="80000"/>
+            </a:schemeClr>
+          </a:solidFill>
+          <a:ln>
+            <a:noFill/>
+          </a:ln>
+          <a:effectLst/>
+        </p:spPr>
+        <p:style>
+          <a:lnRef idx="1">
+            <a:schemeClr val="accent1"/>
+          </a:lnRef>
+          <a:fillRef idx="3">
+            <a:schemeClr val="accent1"/>
+          </a:fillRef>
+          <a:effectRef idx="2">
+            <a:schemeClr val="accent1"/>
+          </a:effectRef>
+          <a:fontRef idx="minor">
+            <a:schemeClr val="lt1"/>
+          </a:fontRef>
+        </p:style>
+      </p:sp>
+      <p:sp>
+        <p:nvSpPr>
+          <p:cNvPr id="44" name="Freeform: Shape 25">
+            <a:extLst>
+              <a:ext uri="{FF2B5EF4-FFF2-40B4-BE49-F238E27FC236}">
+                <a16:creationId xmlns:a16="http://schemas.microsoft.com/office/drawing/2014/main" id="{142BFA2A-77A0-4F60-A32A-685681C84889}"/>
+              </a:ext>
+            </a:extLst>
+          </p:cNvPr>
+          <p:cNvSpPr>
+            <a:spLocks noGrp="1" noRot="1" noChangeAspect="1" noMove="1" noResize="1" noEditPoints="1" noAdjustHandles="1" noChangeArrowheads="1" noChangeShapeType="1" noTextEdit="1"/>
+          </p:cNvSpPr>
+          <p:nvPr>
+            <p:extLst>
+              <p:ext uri="{386F3935-93C4-4BCD-93E2-E3B085C9AB24}">
+                <p16:designElem xmlns:p16="http://schemas.microsoft.com/office/powerpoint/2015/main" val="1"/>
+              </p:ext>
+            </p:extLst>
+          </p:nvPr>
+        </p:nvSpPr>
+        <p:spPr>
+          <a:xfrm>
+            <a:off x="5082154" y="-8467"/>
+            <a:ext cx="7109846" cy="6866467"/>
+          </a:xfrm>
+          <a:custGeom>
+            <a:avLst/>
+            <a:gdLst>
+              <a:gd name="connsiteX0" fmla="*/ 0 w 7109846"/>
+              <a:gd name="connsiteY0" fmla="*/ 0 h 6866467"/>
+              <a:gd name="connsiteX1" fmla="*/ 1249825 w 7109846"/>
+              <a:gd name="connsiteY1" fmla="*/ 0 h 6866467"/>
+              <a:gd name="connsiteX2" fmla="*/ 1249825 w 7109846"/>
+              <a:gd name="connsiteY2" fmla="*/ 8467 h 6866467"/>
+              <a:gd name="connsiteX3" fmla="*/ 7109846 w 7109846"/>
+              <a:gd name="connsiteY3" fmla="*/ 8467 h 6866467"/>
+              <a:gd name="connsiteX4" fmla="*/ 7109846 w 7109846"/>
+              <a:gd name="connsiteY4" fmla="*/ 6866467 h 6866467"/>
+              <a:gd name="connsiteX5" fmla="*/ 1249825 w 7109846"/>
+              <a:gd name="connsiteY5" fmla="*/ 6866467 h 6866467"/>
+              <a:gd name="connsiteX6" fmla="*/ 1109382 w 7109846"/>
+              <a:gd name="connsiteY6" fmla="*/ 6866467 h 6866467"/>
+            </a:gdLst>
+            <a:ahLst/>
+            <a:cxnLst>
+              <a:cxn ang="0">
+                <a:pos x="connsiteX0" y="connsiteY0"/>
+              </a:cxn>
+              <a:cxn ang="0">
+                <a:pos x="connsiteX1" y="connsiteY1"/>
+              </a:cxn>
+              <a:cxn ang="0">
+                <a:pos x="connsiteX2" y="connsiteY2"/>
+              </a:cxn>
+              <a:cxn ang="0">
+                <a:pos x="connsiteX3" y="connsiteY3"/>
+              </a:cxn>
+              <a:cxn ang="0">
+                <a:pos x="connsiteX4" y="connsiteY4"/>
+              </a:cxn>
+              <a:cxn ang="0">
+                <a:pos x="connsiteX5" y="connsiteY5"/>
+              </a:cxn>
+              <a:cxn ang="0">
+                <a:pos x="connsiteX6" y="connsiteY6"/>
+              </a:cxn>
+            </a:cxnLst>
+            <a:rect l="l" t="t" r="r" b="b"/>
+            <a:pathLst>
+              <a:path w="7109846" h="6866467">
+                <a:moveTo>
+                  <a:pt x="0" y="0"/>
+                </a:moveTo>
+                <a:lnTo>
+                  <a:pt x="1249825" y="0"/>
+                </a:lnTo>
+                <a:lnTo>
+                  <a:pt x="1249825" y="8467"/>
+                </a:lnTo>
+                <a:lnTo>
+                  <a:pt x="7109846" y="8467"/>
+                </a:lnTo>
+                <a:lnTo>
+                  <a:pt x="7109846" y="6866467"/>
+                </a:lnTo>
+                <a:lnTo>
+                  <a:pt x="1249825" y="6866467"/>
+                </a:lnTo>
+                <a:lnTo>
+                  <a:pt x="1109382" y="6866467"/>
+                </a:lnTo>
+                <a:close/>
+              </a:path>
+            </a:pathLst>
+          </a:custGeom>
+          <a:solidFill>
+            <a:schemeClr val="accent1"/>
+          </a:solidFill>
+          <a:ln>
+            <a:noFill/>
+          </a:ln>
+        </p:spPr>
+        <p:style>
+          <a:lnRef idx="2">
+            <a:schemeClr val="accent1">
+              <a:shade val="50000"/>
+            </a:schemeClr>
+          </a:lnRef>
+          <a:fillRef idx="1">
+            <a:schemeClr val="accent1"/>
+          </a:fillRef>
+          <a:effectRef idx="0">
+            <a:schemeClr val="accent1"/>
+          </a:effectRef>
+          <a:fontRef idx="minor">
+            <a:schemeClr val="lt1"/>
+          </a:fontRef>
+        </p:style>
+        <p:txBody>
+          <a:bodyPr wrap="square" rtlCol="0" anchor="ctr">
+            <a:noAutofit/>
+          </a:bodyPr>
+          <a:lstStyle/>
+          <a:p>
+            <a:pPr algn="ctr"/>
+            <a:endParaRPr lang="en-US"/>
+          </a:p>
+        </p:txBody>
+      </p:sp>
+      <p:sp>
+        <p:nvSpPr>
+          <p:cNvPr id="2" name="Title 1">
+            <a:extLst>
+              <a:ext uri="{FF2B5EF4-FFF2-40B4-BE49-F238E27FC236}">
+                <a16:creationId xmlns:a16="http://schemas.microsoft.com/office/drawing/2014/main" id="{266E93E2-F619-4786-95F6-5C6C3B560159}"/>
+              </a:ext>
+            </a:extLst>
+          </p:cNvPr>
+          <p:cNvSpPr>
+            <a:spLocks noGrp="1"/>
+          </p:cNvSpPr>
+          <p:nvPr>
+            <p:ph type="title"/>
+          </p:nvPr>
+        </p:nvSpPr>
+        <p:spPr>
+          <a:xfrm>
+            <a:off x="677334" y="609599"/>
+            <a:ext cx="3843375" cy="5545667"/>
+          </a:xfrm>
+        </p:spPr>
+        <p:txBody>
+          <a:bodyPr anchor="ctr">
+            <a:normAutofit/>
+          </a:bodyPr>
+          <a:lstStyle/>
+          <a:p>
+            <a:r>
+              <a:rPr lang="en-US" dirty="0">
+                <a:solidFill>
+                  <a:schemeClr val="tx1">
+                    <a:lumMod val="85000"/>
+                    <a:lumOff val="15000"/>
+                  </a:schemeClr>
+                </a:solidFill>
+              </a:rPr>
+              <a:t>Bug Fixes</a:t>
+            </a:r>
+          </a:p>
+        </p:txBody>
+      </p:sp>
+      <p:sp>
+        <p:nvSpPr>
+          <p:cNvPr id="3" name="Content Placeholder 2">
+            <a:extLst>
+              <a:ext uri="{FF2B5EF4-FFF2-40B4-BE49-F238E27FC236}">
+                <a16:creationId xmlns:a16="http://schemas.microsoft.com/office/drawing/2014/main" id="{80980D1E-A97B-4D31-8A56-32A15ADC8629}"/>
+              </a:ext>
+            </a:extLst>
+          </p:cNvPr>
+          <p:cNvSpPr>
+            <a:spLocks noGrp="1"/>
+          </p:cNvSpPr>
+          <p:nvPr>
+            <p:ph idx="1"/>
+          </p:nvPr>
+        </p:nvSpPr>
+        <p:spPr>
+          <a:xfrm>
+            <a:off x="6116084" y="609600"/>
+            <a:ext cx="5511296" cy="5545667"/>
+          </a:xfrm>
+        </p:spPr>
+        <p:txBody>
+          <a:bodyPr anchor="ctr">
+            <a:normAutofit/>
+          </a:bodyPr>
+          <a:lstStyle/>
+          <a:p>
+            <a:r>
+              <a:rPr lang="en-US" dirty="0">
+                <a:solidFill>
+                  <a:srgbClr val="FFFFFF"/>
+                </a:solidFill>
+              </a:rPr>
+              <a:t>The trade-in amount is now being properly applied to the </a:t>
+            </a:r>
+            <a:r>
+              <a:rPr lang="en-US" i="1" dirty="0">
+                <a:solidFill>
+                  <a:srgbClr val="FFFFFF"/>
+                </a:solidFill>
+              </a:rPr>
+              <a:t>Extensive Invoice</a:t>
+            </a:r>
+            <a:r>
+              <a:rPr lang="en-US" dirty="0">
+                <a:solidFill>
+                  <a:srgbClr val="FFFFFF"/>
+                </a:solidFill>
+              </a:rPr>
+              <a:t> report</a:t>
+            </a:r>
+          </a:p>
+        </p:txBody>
+      </p:sp>
+    </p:spTree>
+    <p:extLst>
+      <p:ext uri="{BB962C8B-B14F-4D97-AF65-F5344CB8AC3E}">
+        <p14:creationId xmlns:p14="http://schemas.microsoft.com/office/powerpoint/2010/main" val="1443284961"/>
+      </p:ext>
+    </p:extLst>
+  </p:cSld>
+  <p:clrMapOvr>
+    <a:overrideClrMapping bg1="dk1" tx1="lt1" bg2="dk2" tx2="lt2" accent1="accent1" accent2="accent2" accent3="accent3" accent4="accent4" accent5="accent5" accent6="accent6" hlink="hlink" folHlink="folHlink"/>
+  </p:clrMapOvr>
+</p:sld>
+</file>
+
+<file path=ppt/slides/slide2.xml><?xml version="1.0" encoding="utf-8"?>
+<p:sld xmlns:a="http://schemas.openxmlformats.org/drawingml/2006/main" xmlns:r="http://schemas.openxmlformats.org/officeDocument/2006/relationships" xmlns:p="http://schemas.openxmlformats.org/presentationml/2006/main">
+  <p:cSld>
+    <p:bg>
+      <p:bgPr>
+        <a:solidFill>
+          <a:schemeClr val="bg1"/>
+        </a:solidFill>
+        <a:effectLst/>
+      </p:bgPr>
+    </p:bg>
+    <p:spTree>
+      <p:nvGrpSpPr>
+        <p:cNvPr id="1" name=""/>
+        <p:cNvGrpSpPr/>
+        <p:nvPr/>
+      </p:nvGrpSpPr>
+      <p:grpSpPr>
+        <a:xfrm>
+          <a:off x="0" y="0"/>
+          <a:ext cx="0" cy="0"/>
+          <a:chOff x="0" y="0"/>
+          <a:chExt cx="0" cy="0"/>
+        </a:xfrm>
+      </p:grpSpPr>
+      <p:cxnSp>
+        <p:nvCxnSpPr>
+          <p:cNvPr id="8" name="Straight Connector 7">
+            <a:extLst>
+              <a:ext uri="{FF2B5EF4-FFF2-40B4-BE49-F238E27FC236}">
+                <a16:creationId xmlns:a16="http://schemas.microsoft.com/office/drawing/2014/main" id="{0B5F7E3B-C5F1-40E0-A491-558BAFBC1127}"/>
+              </a:ext>
+            </a:extLst>
+          </p:cNvPr>
+          <p:cNvCxnSpPr>
+            <a:cxnSpLocks noGrp="1" noRot="1" noChangeAspect="1" noMove="1" noResize="1" noEditPoints="1" noAdjustHandles="1" noChangeArrowheads="1" noChangeShapeType="1"/>
+          </p:cNvCxnSpPr>
+          <p:nvPr>
+            <p:extLst>
+              <p:ext uri="{386F3935-93C4-4BCD-93E2-E3B085C9AB24}">
+                <p16:designElem xmlns:p16="http://schemas.microsoft.com/office/powerpoint/2015/main" val="1"/>
+              </p:ext>
+            </p:extLst>
+          </p:nvPr>
+        </p:nvCxnSpPr>
+        <p:spPr>
+          <a:xfrm>
+            <a:off x="4241804" y="1460500"/>
+            <a:ext cx="0" cy="3937000"/>
+          </a:xfrm>
+          <a:prstGeom prst="line">
+            <a:avLst/>
+          </a:prstGeom>
+        </p:spPr>
+        <p:style>
+          <a:lnRef idx="1">
+            <a:schemeClr val="accent1"/>
+          </a:lnRef>
+          <a:fillRef idx="0">
+            <a:schemeClr val="accent1"/>
+          </a:fillRef>
+          <a:effectRef idx="0">
+            <a:schemeClr val="accent1"/>
+          </a:effectRef>
+          <a:fontRef idx="minor">
+            <a:schemeClr val="tx1"/>
+          </a:fontRef>
+        </p:style>
+      </p:cxnSp>
+      <p:sp>
+        <p:nvSpPr>
+          <p:cNvPr id="2" name="Title 1">
+            <a:extLst>
+              <a:ext uri="{FF2B5EF4-FFF2-40B4-BE49-F238E27FC236}">
                 <a16:creationId xmlns:a16="http://schemas.microsoft.com/office/drawing/2014/main" id="{2F742B2C-4EF9-4F9D-A558-2B79B17DE3B5}"/>
               </a:ext>
             </a:extLst>
@@ -6287,21 +7250,29 @@
             <p:ph type="title"/>
           </p:nvPr>
         </p:nvSpPr>
-        <p:spPr/>
-        <p:txBody>
-          <a:bodyPr/>
-          <a:lstStyle/>
-          <a:p>
-            <a:r>
-              <a:rPr lang="en-US" dirty="0"/>
+        <p:spPr>
+          <a:xfrm>
+            <a:off x="643467" y="816638"/>
+            <a:ext cx="3367359" cy="5224724"/>
+          </a:xfrm>
+        </p:spPr>
+        <p:txBody>
+          <a:bodyPr anchor="ctr">
+            <a:normAutofit/>
+          </a:bodyPr>
+          <a:lstStyle/>
+          <a:p>
+            <a:r>
+              <a:rPr lang="en-US"/>
               <a:t>Enhancements</a:t>
             </a:r>
-          </a:p>
-        </p:txBody>
-      </p:sp>
-      <p:sp>
-        <p:nvSpPr>
-          <p:cNvPr id="3" name="Content Placeholder 2">
+            <a:endParaRPr lang="en-US" dirty="0"/>
+          </a:p>
+        </p:txBody>
+      </p:sp>
+      <p:sp>
+        <p:nvSpPr>
+          <p:cNvPr id="37" name="Content Placeholder 2">
             <a:extLst>
               <a:ext uri="{FF2B5EF4-FFF2-40B4-BE49-F238E27FC236}">
                 <a16:creationId xmlns:a16="http://schemas.microsoft.com/office/drawing/2014/main" id="{7CCB79EC-28BA-478F-A9E1-3F7D123325C2}"/>
@@ -6317,24 +7288,67 @@
         </p:nvSpPr>
         <p:spPr>
           <a:xfrm>
-            <a:off x="677334" y="1930400"/>
-            <a:ext cx="8596668" cy="3880773"/>
+            <a:off x="4654295" y="816638"/>
+            <a:ext cx="4619706" cy="5224724"/>
           </a:xfrm>
         </p:spPr>
         <p:txBody>
-          <a:bodyPr/>
-          <a:lstStyle/>
-          <a:p>
+          <a:bodyPr anchor="ctr">
+            <a:normAutofit/>
+          </a:bodyPr>
+          <a:lstStyle/>
+          <a:p>
+            <a:pPr lvl="1"/>
             <a:r>
               <a:rPr lang="en-US" dirty="0"/>
-              <a:t>Changes:</a:t>
+              <a:t>Sales on hold </a:t>
             </a:r>
           </a:p>
           <a:p>
             <a:pPr lvl="1"/>
             <a:r>
               <a:rPr lang="en-US" dirty="0"/>
-              <a:t>Fixed the Extensive Invoice report. The trade-in amount is being shown in its own column and is accounted for in the Revenue and Profit Margin</a:t>
+              <a:t>Layaways</a:t>
+            </a:r>
+          </a:p>
+          <a:p>
+            <a:pPr lvl="1"/>
+            <a:r>
+              <a:rPr lang="en-US" dirty="0" err="1"/>
+              <a:t>Cashout</a:t>
+            </a:r>
+            <a:r>
+              <a:rPr lang="en-US" dirty="0"/>
+              <a:t> report and finalizing</a:t>
+            </a:r>
+          </a:p>
+          <a:p>
+            <a:pPr lvl="1"/>
+            <a:r>
+              <a:rPr lang="en-US" dirty="0"/>
+              <a:t>Process </a:t>
+            </a:r>
+            <a:r>
+              <a:rPr lang="en-US" dirty="0" err="1"/>
+              <a:t>cashout</a:t>
+            </a:r>
+            <a:r>
+              <a:rPr lang="en-US" dirty="0"/>
+              <a:t> button location change</a:t>
+            </a:r>
+          </a:p>
+          <a:p>
+            <a:pPr lvl="1"/>
+            <a:r>
+              <a:rPr lang="en-US" dirty="0"/>
+              <a:t>Invoice printing </a:t>
+            </a:r>
+          </a:p>
+          <a:p>
+            <a:pPr lvl="1"/>
+            <a:r>
+              <a:rPr lang="en-US" dirty="0"/>
+              <a:t>Shipping amount</a:t>
             </a:r>
           </a:p>
           <a:p>
@@ -6343,18 +7357,6 @@
               <a:rPr lang="en-US" dirty="0"/>
               <a:t>Comments are shown on the inventory search page</a:t>
             </a:r>
-          </a:p>
-          <a:p>
-            <a:pPr lvl="1"/>
-            <a:r>
-              <a:rPr lang="en-US" dirty="0"/>
-              <a:t>A model that is not in the database will now be added in the item imports and will </a:t>
-            </a:r>
-            <a:r>
-              <a:rPr lang="en-US"/>
-              <a:t>not trigger an error</a:t>
-            </a:r>
-            <a:endParaRPr lang="en-US" dirty="0"/>
           </a:p>
           <a:p>
             <a:pPr lvl="1"/>
@@ -6413,7 +7415,10 @@
           <a:bodyPr/>
           <a:lstStyle/>
           <a:p>
-            <a:endParaRPr lang="en-US"/>
+            <a:r>
+              <a:rPr lang="en-US" dirty="0"/>
+              <a:t>Sales – On Hold &amp; Layaway</a:t>
+            </a:r>
           </a:p>
         </p:txBody>
       </p:sp>
@@ -6438,10 +7443,95 @@
           <a:bodyPr/>
           <a:lstStyle/>
           <a:p>
-            <a:endParaRPr lang="en-US"/>
-          </a:p>
-        </p:txBody>
-      </p:sp>
+            <a:r>
+              <a:rPr lang="en-US" dirty="0"/>
+              <a:t>During a sale, you can now put it on hold by clicking the </a:t>
+            </a:r>
+            <a:r>
+              <a:rPr lang="en-US" i="1" dirty="0"/>
+              <a:t>Exit Sale</a:t>
+            </a:r>
+            <a:r>
+              <a:rPr lang="en-US" dirty="0"/>
+              <a:t> button. This will allow you to come back to the sale at a later point </a:t>
+            </a:r>
+          </a:p>
+          <a:p>
+            <a:r>
+              <a:rPr lang="en-US" dirty="0"/>
+              <a:t>If the sale is a layaway, you are able to mark it as such by clicking the </a:t>
+            </a:r>
+            <a:r>
+              <a:rPr lang="en-US" i="1" dirty="0"/>
+              <a:t>Layaway </a:t>
+            </a:r>
+            <a:r>
+              <a:rPr lang="en-US" dirty="0"/>
+              <a:t>button located on the cart, and checkout page</a:t>
+            </a:r>
+          </a:p>
+          <a:p>
+            <a:pPr marL="0" indent="0">
+              <a:buNone/>
+            </a:pPr>
+            <a:endParaRPr lang="en-US" dirty="0"/>
+          </a:p>
+          <a:p>
+            <a:pPr marL="0" indent="0">
+              <a:buNone/>
+            </a:pPr>
+            <a:endParaRPr lang="en-US" dirty="0"/>
+          </a:p>
+          <a:p>
+            <a:pPr marL="0" indent="0">
+              <a:buNone/>
+            </a:pPr>
+            <a:endParaRPr lang="en-US" dirty="0"/>
+          </a:p>
+          <a:p>
+            <a:pPr marL="0" indent="0">
+              <a:buNone/>
+            </a:pPr>
+            <a:endParaRPr lang="en-US" dirty="0"/>
+          </a:p>
+          <a:p>
+            <a:pPr marL="0" indent="0">
+              <a:buNone/>
+            </a:pPr>
+            <a:endParaRPr lang="en-US" dirty="0"/>
+          </a:p>
+        </p:txBody>
+      </p:sp>
+      <p:pic>
+        <p:nvPicPr>
+          <p:cNvPr id="4" name="Picture 3">
+            <a:extLst>
+              <a:ext uri="{FF2B5EF4-FFF2-40B4-BE49-F238E27FC236}">
+                <a16:creationId xmlns:a16="http://schemas.microsoft.com/office/drawing/2014/main" id="{5CDCE263-E96F-4B4A-B065-0CDB1DC214D8}"/>
+              </a:ext>
+            </a:extLst>
+          </p:cNvPr>
+          <p:cNvPicPr>
+            <a:picLocks noChangeAspect="1"/>
+          </p:cNvPicPr>
+          <p:nvPr/>
+        </p:nvPicPr>
+        <p:blipFill>
+          <a:blip r:embed="rId2"/>
+          <a:stretch>
+            <a:fillRect/>
+          </a:stretch>
+        </p:blipFill>
+        <p:spPr>
+          <a:xfrm>
+            <a:off x="1775268" y="3953337"/>
+            <a:ext cx="6400800" cy="295275"/>
+          </a:xfrm>
+          <a:prstGeom prst="rect">
+            <a:avLst/>
+          </a:prstGeom>
+        </p:spPr>
+      </p:pic>
     </p:spTree>
     <p:extLst>
       <p:ext uri="{BB962C8B-B14F-4D97-AF65-F5344CB8AC3E}">
@@ -6493,7 +7583,10 @@
           <a:bodyPr/>
           <a:lstStyle/>
           <a:p>
-            <a:endParaRPr lang="en-US"/>
+            <a:r>
+              <a:rPr lang="en-US" dirty="0"/>
+              <a:t>Sales – On Hold &amp; Layaway Cont.</a:t>
+            </a:r>
           </a:p>
         </p:txBody>
       </p:sp>
@@ -6518,14 +7611,669 @@
           <a:bodyPr/>
           <a:lstStyle/>
           <a:p>
-            <a:endParaRPr lang="en-US"/>
-          </a:p>
-        </p:txBody>
-      </p:sp>
+            <a:r>
+              <a:rPr lang="en-US" dirty="0"/>
+              <a:t>Sales that are on hold or are a layaway are shown on the sales homepage</a:t>
+            </a:r>
+          </a:p>
+          <a:p>
+            <a:r>
+              <a:rPr lang="en-US" dirty="0"/>
+              <a:t>Resuming one of these sales can be done by clicking on the invoice number</a:t>
+            </a:r>
+          </a:p>
+        </p:txBody>
+      </p:sp>
+      <p:pic>
+        <p:nvPicPr>
+          <p:cNvPr id="4" name="Picture 3">
+            <a:extLst>
+              <a:ext uri="{FF2B5EF4-FFF2-40B4-BE49-F238E27FC236}">
+                <a16:creationId xmlns:a16="http://schemas.microsoft.com/office/drawing/2014/main" id="{3C19EEFE-AA3E-468F-87EE-A7723615B741}"/>
+              </a:ext>
+            </a:extLst>
+          </p:cNvPr>
+          <p:cNvPicPr>
+            <a:picLocks noChangeAspect="1"/>
+          </p:cNvPicPr>
+          <p:nvPr/>
+        </p:nvPicPr>
+        <p:blipFill>
+          <a:blip r:embed="rId2"/>
+          <a:stretch>
+            <a:fillRect/>
+          </a:stretch>
+        </p:blipFill>
+        <p:spPr>
+          <a:xfrm>
+            <a:off x="0" y="3910368"/>
+            <a:ext cx="12192000" cy="1639786"/>
+          </a:xfrm>
+          <a:prstGeom prst="rect">
+            <a:avLst/>
+          </a:prstGeom>
+        </p:spPr>
+      </p:pic>
     </p:spTree>
     <p:extLst>
       <p:ext uri="{BB962C8B-B14F-4D97-AF65-F5344CB8AC3E}">
         <p14:creationId xmlns:p14="http://schemas.microsoft.com/office/powerpoint/2010/main" val="2653303412"/>
+      </p:ext>
+    </p:extLst>
+  </p:cSld>
+  <p:clrMapOvr>
+    <a:masterClrMapping/>
+  </p:clrMapOvr>
+</p:sld>
+</file>
+
+<file path=ppt/slides/slide5.xml><?xml version="1.0" encoding="utf-8"?>
+<p:sld xmlns:a="http://schemas.openxmlformats.org/drawingml/2006/main" xmlns:r="http://schemas.openxmlformats.org/officeDocument/2006/relationships" xmlns:p="http://schemas.openxmlformats.org/presentationml/2006/main">
+  <p:cSld>
+    <p:spTree>
+      <p:nvGrpSpPr>
+        <p:cNvPr id="1" name=""/>
+        <p:cNvGrpSpPr/>
+        <p:nvPr/>
+      </p:nvGrpSpPr>
+      <p:grpSpPr>
+        <a:xfrm>
+          <a:off x="0" y="0"/>
+          <a:ext cx="0" cy="0"/>
+          <a:chOff x="0" y="0"/>
+          <a:chExt cx="0" cy="0"/>
+        </a:xfrm>
+      </p:grpSpPr>
+      <p:sp>
+        <p:nvSpPr>
+          <p:cNvPr id="2" name="Title 1">
+            <a:extLst>
+              <a:ext uri="{FF2B5EF4-FFF2-40B4-BE49-F238E27FC236}">
+                <a16:creationId xmlns:a16="http://schemas.microsoft.com/office/drawing/2014/main" id="{14752CC7-F3F3-4868-9967-B1A5F9AA15F3}"/>
+              </a:ext>
+            </a:extLst>
+          </p:cNvPr>
+          <p:cNvSpPr>
+            <a:spLocks noGrp="1"/>
+          </p:cNvSpPr>
+          <p:nvPr>
+            <p:ph type="title"/>
+          </p:nvPr>
+        </p:nvSpPr>
+        <p:spPr/>
+        <p:txBody>
+          <a:bodyPr/>
+          <a:lstStyle/>
+          <a:p>
+            <a:r>
+              <a:rPr lang="en-US" dirty="0"/>
+              <a:t>Sales – Shipping Amount</a:t>
+            </a:r>
+          </a:p>
+        </p:txBody>
+      </p:sp>
+      <p:sp>
+        <p:nvSpPr>
+          <p:cNvPr id="3" name="Content Placeholder 2">
+            <a:extLst>
+              <a:ext uri="{FF2B5EF4-FFF2-40B4-BE49-F238E27FC236}">
+                <a16:creationId xmlns:a16="http://schemas.microsoft.com/office/drawing/2014/main" id="{A6361A82-37C4-49FF-A527-9253EA2185E1}"/>
+              </a:ext>
+            </a:extLst>
+          </p:cNvPr>
+          <p:cNvSpPr>
+            <a:spLocks noGrp="1"/>
+          </p:cNvSpPr>
+          <p:nvPr>
+            <p:ph idx="1"/>
+          </p:nvPr>
+        </p:nvSpPr>
+        <p:spPr/>
+        <p:txBody>
+          <a:bodyPr/>
+          <a:lstStyle/>
+          <a:p>
+            <a:r>
+              <a:rPr lang="en-US" dirty="0"/>
+              <a:t>You no longer need to select  </a:t>
+            </a:r>
+            <a:r>
+              <a:rPr lang="en-US" i="1" dirty="0"/>
+              <a:t>Shipping </a:t>
+            </a:r>
+            <a:r>
+              <a:rPr lang="en-US" dirty="0"/>
+              <a:t>to add a shipping amount to the sale. Now you just need to enter in an amount greater than zero into the </a:t>
+            </a:r>
+            <a:r>
+              <a:rPr lang="en-US" i="1" dirty="0"/>
+              <a:t>Shipping Amount</a:t>
+            </a:r>
+            <a:r>
+              <a:rPr lang="en-US" dirty="0"/>
+              <a:t> textbox and it will be added to the sale</a:t>
+            </a:r>
+          </a:p>
+        </p:txBody>
+      </p:sp>
+      <p:pic>
+        <p:nvPicPr>
+          <p:cNvPr id="4" name="Picture 3">
+            <a:extLst>
+              <a:ext uri="{FF2B5EF4-FFF2-40B4-BE49-F238E27FC236}">
+                <a16:creationId xmlns:a16="http://schemas.microsoft.com/office/drawing/2014/main" id="{3E3A4C2C-63D3-4AB9-83B8-D6C65400461C}"/>
+              </a:ext>
+            </a:extLst>
+          </p:cNvPr>
+          <p:cNvPicPr>
+            <a:picLocks noChangeAspect="1"/>
+          </p:cNvPicPr>
+          <p:nvPr/>
+        </p:nvPicPr>
+        <p:blipFill>
+          <a:blip r:embed="rId2"/>
+          <a:stretch>
+            <a:fillRect/>
+          </a:stretch>
+        </p:blipFill>
+        <p:spPr>
+          <a:xfrm>
+            <a:off x="2861118" y="3762837"/>
+            <a:ext cx="4229100" cy="676275"/>
+          </a:xfrm>
+          <a:prstGeom prst="rect">
+            <a:avLst/>
+          </a:prstGeom>
+        </p:spPr>
+      </p:pic>
+    </p:spTree>
+    <p:extLst>
+      <p:ext uri="{BB962C8B-B14F-4D97-AF65-F5344CB8AC3E}">
+        <p14:creationId xmlns:p14="http://schemas.microsoft.com/office/powerpoint/2010/main" val="2503723268"/>
+      </p:ext>
+    </p:extLst>
+  </p:cSld>
+  <p:clrMapOvr>
+    <a:masterClrMapping/>
+  </p:clrMapOvr>
+</p:sld>
+</file>
+
+<file path=ppt/slides/slide6.xml><?xml version="1.0" encoding="utf-8"?>
+<p:sld xmlns:a="http://schemas.openxmlformats.org/drawingml/2006/main" xmlns:r="http://schemas.openxmlformats.org/officeDocument/2006/relationships" xmlns:p="http://schemas.openxmlformats.org/presentationml/2006/main">
+  <p:cSld>
+    <p:spTree>
+      <p:nvGrpSpPr>
+        <p:cNvPr id="1" name=""/>
+        <p:cNvGrpSpPr/>
+        <p:nvPr/>
+      </p:nvGrpSpPr>
+      <p:grpSpPr>
+        <a:xfrm>
+          <a:off x="0" y="0"/>
+          <a:ext cx="0" cy="0"/>
+          <a:chOff x="0" y="0"/>
+          <a:chExt cx="0" cy="0"/>
+        </a:xfrm>
+      </p:grpSpPr>
+      <p:sp>
+        <p:nvSpPr>
+          <p:cNvPr id="2" name="Title 1">
+            <a:extLst>
+              <a:ext uri="{FF2B5EF4-FFF2-40B4-BE49-F238E27FC236}">
+                <a16:creationId xmlns:a16="http://schemas.microsoft.com/office/drawing/2014/main" id="{8F7C9A11-8399-4F60-B4C3-B8255ADB89D6}"/>
+              </a:ext>
+            </a:extLst>
+          </p:cNvPr>
+          <p:cNvSpPr>
+            <a:spLocks noGrp="1"/>
+          </p:cNvSpPr>
+          <p:nvPr>
+            <p:ph type="title"/>
+          </p:nvPr>
+        </p:nvSpPr>
+        <p:spPr/>
+        <p:txBody>
+          <a:bodyPr/>
+          <a:lstStyle/>
+          <a:p>
+            <a:r>
+              <a:rPr lang="en-US" dirty="0"/>
+              <a:t>Sales – Refresh Cart</a:t>
+            </a:r>
+          </a:p>
+        </p:txBody>
+      </p:sp>
+      <p:sp>
+        <p:nvSpPr>
+          <p:cNvPr id="3" name="Content Placeholder 2">
+            <a:extLst>
+              <a:ext uri="{FF2B5EF4-FFF2-40B4-BE49-F238E27FC236}">
+                <a16:creationId xmlns:a16="http://schemas.microsoft.com/office/drawing/2014/main" id="{215EDA27-4DE1-40BB-8A68-DA73D12719D5}"/>
+              </a:ext>
+            </a:extLst>
+          </p:cNvPr>
+          <p:cNvSpPr>
+            <a:spLocks noGrp="1"/>
+          </p:cNvSpPr>
+          <p:nvPr>
+            <p:ph idx="1"/>
+          </p:nvPr>
+        </p:nvSpPr>
+        <p:spPr/>
+        <p:txBody>
+          <a:bodyPr/>
+          <a:lstStyle/>
+          <a:p>
+            <a:r>
+              <a:rPr lang="en-US" dirty="0"/>
+              <a:t>A button was added that will allow you to refresh the cart. The reason for this is because a trade-in item will not show unless the cart is refreshed</a:t>
+            </a:r>
+          </a:p>
+          <a:p>
+            <a:r>
+              <a:rPr lang="en-US" dirty="0"/>
+              <a:t>This button will only appear when a trade-in is added to the cart and will disappear once it is clicked</a:t>
+            </a:r>
+          </a:p>
+        </p:txBody>
+      </p:sp>
+      <p:pic>
+        <p:nvPicPr>
+          <p:cNvPr id="4" name="Picture 3">
+            <a:extLst>
+              <a:ext uri="{FF2B5EF4-FFF2-40B4-BE49-F238E27FC236}">
+                <a16:creationId xmlns:a16="http://schemas.microsoft.com/office/drawing/2014/main" id="{C3C6D2D2-6F0D-4A68-BA66-3A935CEBD58E}"/>
+              </a:ext>
+            </a:extLst>
+          </p:cNvPr>
+          <p:cNvPicPr>
+            <a:picLocks noChangeAspect="1"/>
+          </p:cNvPicPr>
+          <p:nvPr/>
+        </p:nvPicPr>
+        <p:blipFill>
+          <a:blip r:embed="rId2"/>
+          <a:stretch>
+            <a:fillRect/>
+          </a:stretch>
+        </p:blipFill>
+        <p:spPr>
+          <a:xfrm>
+            <a:off x="677334" y="3438987"/>
+            <a:ext cx="9467850" cy="1323975"/>
+          </a:xfrm>
+          <a:prstGeom prst="rect">
+            <a:avLst/>
+          </a:prstGeom>
+        </p:spPr>
+      </p:pic>
+    </p:spTree>
+    <p:extLst>
+      <p:ext uri="{BB962C8B-B14F-4D97-AF65-F5344CB8AC3E}">
+        <p14:creationId xmlns:p14="http://schemas.microsoft.com/office/powerpoint/2010/main" val="3921012585"/>
+      </p:ext>
+    </p:extLst>
+  </p:cSld>
+  <p:clrMapOvr>
+    <a:masterClrMapping/>
+  </p:clrMapOvr>
+</p:sld>
+</file>
+
+<file path=ppt/slides/slide7.xml><?xml version="1.0" encoding="utf-8"?>
+<p:sld xmlns:a="http://schemas.openxmlformats.org/drawingml/2006/main" xmlns:r="http://schemas.openxmlformats.org/officeDocument/2006/relationships" xmlns:p="http://schemas.openxmlformats.org/presentationml/2006/main">
+  <p:cSld>
+    <p:spTree>
+      <p:nvGrpSpPr>
+        <p:cNvPr id="1" name=""/>
+        <p:cNvGrpSpPr/>
+        <p:nvPr/>
+      </p:nvGrpSpPr>
+      <p:grpSpPr>
+        <a:xfrm>
+          <a:off x="0" y="0"/>
+          <a:ext cx="0" cy="0"/>
+          <a:chOff x="0" y="0"/>
+          <a:chExt cx="0" cy="0"/>
+        </a:xfrm>
+      </p:grpSpPr>
+      <p:sp>
+        <p:nvSpPr>
+          <p:cNvPr id="2" name="Title 1">
+            <a:extLst>
+              <a:ext uri="{FF2B5EF4-FFF2-40B4-BE49-F238E27FC236}">
+                <a16:creationId xmlns:a16="http://schemas.microsoft.com/office/drawing/2014/main" id="{E0A33FFB-8AA9-4607-8E1A-2EBBCF63FA76}"/>
+              </a:ext>
+            </a:extLst>
+          </p:cNvPr>
+          <p:cNvSpPr>
+            <a:spLocks noGrp="1"/>
+          </p:cNvSpPr>
+          <p:nvPr>
+            <p:ph type="title"/>
+          </p:nvPr>
+        </p:nvSpPr>
+        <p:spPr/>
+        <p:txBody>
+          <a:bodyPr/>
+          <a:lstStyle/>
+          <a:p>
+            <a:r>
+              <a:rPr lang="en-US" dirty="0"/>
+              <a:t>Invoices – Printing</a:t>
+            </a:r>
+          </a:p>
+        </p:txBody>
+      </p:sp>
+      <p:sp>
+        <p:nvSpPr>
+          <p:cNvPr id="3" name="Content Placeholder 2">
+            <a:extLst>
+              <a:ext uri="{FF2B5EF4-FFF2-40B4-BE49-F238E27FC236}">
+                <a16:creationId xmlns:a16="http://schemas.microsoft.com/office/drawing/2014/main" id="{45651DE4-0825-4DAB-87C5-FCF819906357}"/>
+              </a:ext>
+            </a:extLst>
+          </p:cNvPr>
+          <p:cNvSpPr>
+            <a:spLocks noGrp="1"/>
+          </p:cNvSpPr>
+          <p:nvPr>
+            <p:ph idx="1"/>
+          </p:nvPr>
+        </p:nvSpPr>
+        <p:spPr/>
+        <p:txBody>
+          <a:bodyPr/>
+          <a:lstStyle/>
+          <a:p>
+            <a:r>
+              <a:rPr lang="en-US" dirty="0"/>
+              <a:t>The invoices have had a couple minor changes to them</a:t>
+            </a:r>
+          </a:p>
+          <a:p>
+            <a:r>
+              <a:rPr lang="en-US" dirty="0"/>
+              <a:t>The changes involve text size, spacing and positioning</a:t>
+            </a:r>
+          </a:p>
+          <a:p>
+            <a:r>
+              <a:rPr lang="en-US" dirty="0"/>
+              <a:t>This will reduce the amount of paper needed to print an invoice</a:t>
+            </a:r>
+          </a:p>
+        </p:txBody>
+      </p:sp>
+    </p:spTree>
+    <p:extLst>
+      <p:ext uri="{BB962C8B-B14F-4D97-AF65-F5344CB8AC3E}">
+        <p14:creationId xmlns:p14="http://schemas.microsoft.com/office/powerpoint/2010/main" val="2934841313"/>
+      </p:ext>
+    </p:extLst>
+  </p:cSld>
+  <p:clrMapOvr>
+    <a:masterClrMapping/>
+  </p:clrMapOvr>
+</p:sld>
+</file>
+
+<file path=ppt/slides/slide8.xml><?xml version="1.0" encoding="utf-8"?>
+<p:sld xmlns:a="http://schemas.openxmlformats.org/drawingml/2006/main" xmlns:r="http://schemas.openxmlformats.org/officeDocument/2006/relationships" xmlns:p="http://schemas.openxmlformats.org/presentationml/2006/main">
+  <p:cSld>
+    <p:spTree>
+      <p:nvGrpSpPr>
+        <p:cNvPr id="1" name=""/>
+        <p:cNvGrpSpPr/>
+        <p:nvPr/>
+      </p:nvGrpSpPr>
+      <p:grpSpPr>
+        <a:xfrm>
+          <a:off x="0" y="0"/>
+          <a:ext cx="0" cy="0"/>
+          <a:chOff x="0" y="0"/>
+          <a:chExt cx="0" cy="0"/>
+        </a:xfrm>
+      </p:grpSpPr>
+      <p:sp>
+        <p:nvSpPr>
+          <p:cNvPr id="2" name="Title 1">
+            <a:extLst>
+              <a:ext uri="{FF2B5EF4-FFF2-40B4-BE49-F238E27FC236}">
+                <a16:creationId xmlns:a16="http://schemas.microsoft.com/office/drawing/2014/main" id="{F1B9DBE2-6F94-4F8D-AC82-7F7A835046EA}"/>
+              </a:ext>
+            </a:extLst>
+          </p:cNvPr>
+          <p:cNvSpPr>
+            <a:spLocks noGrp="1"/>
+          </p:cNvSpPr>
+          <p:nvPr>
+            <p:ph type="title"/>
+          </p:nvPr>
+        </p:nvSpPr>
+        <p:spPr/>
+        <p:txBody>
+          <a:bodyPr/>
+          <a:lstStyle/>
+          <a:p>
+            <a:r>
+              <a:rPr lang="en-US" dirty="0"/>
+              <a:t>Reports – </a:t>
+            </a:r>
+            <a:r>
+              <a:rPr lang="en-US" dirty="0" err="1"/>
+              <a:t>Cashouts</a:t>
+            </a:r>
+            <a:br>
+              <a:rPr lang="en-US" dirty="0"/>
+            </a:br>
+            <a:r>
+              <a:rPr lang="en-US" dirty="0"/>
+              <a:t>	</a:t>
+            </a:r>
+          </a:p>
+        </p:txBody>
+      </p:sp>
+      <p:sp>
+        <p:nvSpPr>
+          <p:cNvPr id="3" name="Content Placeholder 2">
+            <a:extLst>
+              <a:ext uri="{FF2B5EF4-FFF2-40B4-BE49-F238E27FC236}">
+                <a16:creationId xmlns:a16="http://schemas.microsoft.com/office/drawing/2014/main" id="{C7E09E51-B47A-474D-90B4-30BE7BE53D58}"/>
+              </a:ext>
+            </a:extLst>
+          </p:cNvPr>
+          <p:cNvSpPr>
+            <a:spLocks noGrp="1"/>
+          </p:cNvSpPr>
+          <p:nvPr>
+            <p:ph idx="1"/>
+          </p:nvPr>
+        </p:nvSpPr>
+        <p:spPr/>
+        <p:txBody>
+          <a:bodyPr/>
+          <a:lstStyle/>
+          <a:p>
+            <a:r>
+              <a:rPr lang="en-US" dirty="0"/>
+              <a:t>There is a new </a:t>
+            </a:r>
+            <a:r>
+              <a:rPr lang="en-US" dirty="0" err="1"/>
+              <a:t>cashout</a:t>
+            </a:r>
+            <a:r>
+              <a:rPr lang="en-US" dirty="0"/>
+              <a:t> report that can be found in the </a:t>
+            </a:r>
+            <a:r>
+              <a:rPr lang="en-US" i="1" dirty="0"/>
+              <a:t>Reports</a:t>
+            </a:r>
+            <a:r>
+              <a:rPr lang="en-US" dirty="0"/>
+              <a:t> tab</a:t>
+            </a:r>
+          </a:p>
+          <a:p>
+            <a:r>
+              <a:rPr lang="en-US" dirty="0"/>
+              <a:t>Here, you can view, edit and finalize previous </a:t>
+            </a:r>
+            <a:r>
+              <a:rPr lang="en-US" dirty="0" err="1"/>
+              <a:t>cashouts</a:t>
+            </a:r>
+            <a:endParaRPr lang="en-US" dirty="0"/>
+          </a:p>
+          <a:p>
+            <a:r>
+              <a:rPr lang="en-US" dirty="0"/>
+              <a:t>The process of doing a </a:t>
+            </a:r>
+            <a:r>
+              <a:rPr lang="en-US" dirty="0" err="1"/>
+              <a:t>cashout</a:t>
+            </a:r>
+            <a:r>
+              <a:rPr lang="en-US" dirty="0"/>
+              <a:t> has not changed. The one thing to pay attention to is that the button to start the </a:t>
+            </a:r>
+            <a:r>
+              <a:rPr lang="en-US" dirty="0" err="1"/>
+              <a:t>cashout</a:t>
+            </a:r>
+            <a:r>
+              <a:rPr lang="en-US" dirty="0"/>
+              <a:t> has been moved to the </a:t>
+            </a:r>
+            <a:r>
+              <a:rPr lang="en-US" i="1" dirty="0"/>
+              <a:t>Sales </a:t>
+            </a:r>
+            <a:r>
+              <a:rPr lang="en-US" dirty="0"/>
+              <a:t>page</a:t>
+            </a:r>
+          </a:p>
+        </p:txBody>
+      </p:sp>
+      <p:pic>
+        <p:nvPicPr>
+          <p:cNvPr id="4" name="Picture 3">
+            <a:extLst>
+              <a:ext uri="{FF2B5EF4-FFF2-40B4-BE49-F238E27FC236}">
+                <a16:creationId xmlns:a16="http://schemas.microsoft.com/office/drawing/2014/main" id="{AA38A402-23AF-4AB7-ADCA-6D212F721AC7}"/>
+              </a:ext>
+            </a:extLst>
+          </p:cNvPr>
+          <p:cNvPicPr>
+            <a:picLocks noChangeAspect="1"/>
+          </p:cNvPicPr>
+          <p:nvPr/>
+        </p:nvPicPr>
+        <p:blipFill>
+          <a:blip r:embed="rId2"/>
+          <a:stretch>
+            <a:fillRect/>
+          </a:stretch>
+        </p:blipFill>
+        <p:spPr>
+          <a:xfrm>
+            <a:off x="0" y="4100975"/>
+            <a:ext cx="12192000" cy="2245074"/>
+          </a:xfrm>
+          <a:prstGeom prst="rect">
+            <a:avLst/>
+          </a:prstGeom>
+        </p:spPr>
+      </p:pic>
+    </p:spTree>
+    <p:extLst>
+      <p:ext uri="{BB962C8B-B14F-4D97-AF65-F5344CB8AC3E}">
+        <p14:creationId xmlns:p14="http://schemas.microsoft.com/office/powerpoint/2010/main" val="211088011"/>
+      </p:ext>
+    </p:extLst>
+  </p:cSld>
+  <p:clrMapOvr>
+    <a:masterClrMapping/>
+  </p:clrMapOvr>
+</p:sld>
+</file>
+
+<file path=ppt/slides/slide9.xml><?xml version="1.0" encoding="utf-8"?>
+<p:sld xmlns:a="http://schemas.openxmlformats.org/drawingml/2006/main" xmlns:r="http://schemas.openxmlformats.org/officeDocument/2006/relationships" xmlns:p="http://schemas.openxmlformats.org/presentationml/2006/main">
+  <p:cSld>
+    <p:spTree>
+      <p:nvGrpSpPr>
+        <p:cNvPr id="1" name=""/>
+        <p:cNvGrpSpPr/>
+        <p:nvPr/>
+      </p:nvGrpSpPr>
+      <p:grpSpPr>
+        <a:xfrm>
+          <a:off x="0" y="0"/>
+          <a:ext cx="0" cy="0"/>
+          <a:chOff x="0" y="0"/>
+          <a:chExt cx="0" cy="0"/>
+        </a:xfrm>
+      </p:grpSpPr>
+      <p:sp>
+        <p:nvSpPr>
+          <p:cNvPr id="2" name="Title 1">
+            <a:extLst>
+              <a:ext uri="{FF2B5EF4-FFF2-40B4-BE49-F238E27FC236}">
+                <a16:creationId xmlns:a16="http://schemas.microsoft.com/office/drawing/2014/main" id="{8C6DBE19-0C71-4EEF-AA1B-B1648FC5139B}"/>
+              </a:ext>
+            </a:extLst>
+          </p:cNvPr>
+          <p:cNvSpPr>
+            <a:spLocks noGrp="1"/>
+          </p:cNvSpPr>
+          <p:nvPr>
+            <p:ph type="title"/>
+          </p:nvPr>
+        </p:nvSpPr>
+        <p:spPr/>
+        <p:txBody>
+          <a:bodyPr/>
+          <a:lstStyle/>
+          <a:p>
+            <a:endParaRPr lang="en-US"/>
+          </a:p>
+        </p:txBody>
+      </p:sp>
+      <p:sp>
+        <p:nvSpPr>
+          <p:cNvPr id="3" name="Content Placeholder 2">
+            <a:extLst>
+              <a:ext uri="{FF2B5EF4-FFF2-40B4-BE49-F238E27FC236}">
+                <a16:creationId xmlns:a16="http://schemas.microsoft.com/office/drawing/2014/main" id="{D5CB62CA-B7AC-4AC9-8F0B-B79919DFD89A}"/>
+              </a:ext>
+            </a:extLst>
+          </p:cNvPr>
+          <p:cNvSpPr>
+            <a:spLocks noGrp="1"/>
+          </p:cNvSpPr>
+          <p:nvPr>
+            <p:ph idx="1"/>
+          </p:nvPr>
+        </p:nvSpPr>
+        <p:spPr/>
+        <p:txBody>
+          <a:bodyPr/>
+          <a:lstStyle/>
+          <a:p>
+            <a:endParaRPr lang="en-US"/>
+          </a:p>
+        </p:txBody>
+      </p:sp>
+    </p:spTree>
+    <p:extLst>
+      <p:ext uri="{BB962C8B-B14F-4D97-AF65-F5344CB8AC3E}">
+        <p14:creationId xmlns:p14="http://schemas.microsoft.com/office/powerpoint/2010/main" val="31894662"/>
       </p:ext>
     </p:extLst>
   </p:cSld>

--- a/Release Powerpoints/V3.1.0 - WIP.pptx
+++ b/Release Powerpoints/V3.1.0 - WIP.pptx
@@ -5,20 +5,21 @@
     <p:sldMasterId id="2147483694" r:id="rId1"/>
   </p:sldMasterIdLst>
   <p:notesMasterIdLst>
-    <p:notesMasterId r:id="rId13"/>
+    <p:notesMasterId r:id="rId14"/>
   </p:notesMasterIdLst>
   <p:sldIdLst>
     <p:sldId id="256" r:id="rId2"/>
-    <p:sldId id="257" r:id="rId3"/>
-    <p:sldId id="258" r:id="rId4"/>
-    <p:sldId id="259" r:id="rId5"/>
-    <p:sldId id="262" r:id="rId6"/>
-    <p:sldId id="263" r:id="rId7"/>
-    <p:sldId id="260" r:id="rId8"/>
-    <p:sldId id="261" r:id="rId9"/>
-    <p:sldId id="264" r:id="rId10"/>
-    <p:sldId id="265" r:id="rId11"/>
-    <p:sldId id="266" r:id="rId12"/>
+    <p:sldId id="268" r:id="rId3"/>
+    <p:sldId id="267" r:id="rId4"/>
+    <p:sldId id="258" r:id="rId5"/>
+    <p:sldId id="259" r:id="rId6"/>
+    <p:sldId id="262" r:id="rId7"/>
+    <p:sldId id="263" r:id="rId8"/>
+    <p:sldId id="260" r:id="rId9"/>
+    <p:sldId id="261" r:id="rId10"/>
+    <p:sldId id="264" r:id="rId11"/>
+    <p:sldId id="265" r:id="rId12"/>
+    <p:sldId id="266" r:id="rId13"/>
   </p:sldIdLst>
   <p:sldSz cx="12192000" cy="6858000"/>
   <p:notesSz cx="6858000" cy="9144000"/>
@@ -207,7 +208,7 @@
           <a:p>
             <a:fld id="{06577787-2A66-4983-9D68-04F710E701D7}" type="datetimeFigureOut">
               <a:rPr lang="en-CA" smtClean="0"/>
-              <a:t>2018-03-29</a:t>
+              <a:t>2018-04-26</a:t>
             </a:fld>
             <a:endParaRPr lang="en-CA"/>
           </a:p>
@@ -1197,7 +1198,7 @@
           <a:p>
             <a:fld id="{CCED65F4-2A77-484B-94A0-5A930235145A}" type="datetimeFigureOut">
               <a:rPr lang="en-US" smtClean="0"/>
-              <a:t>29-Mar-18</a:t>
+              <a:t>4/26/2018</a:t>
             </a:fld>
             <a:endParaRPr lang="en-US"/>
           </a:p>
@@ -1448,7 +1449,7 @@
           <a:p>
             <a:fld id="{CCED65F4-2A77-484B-94A0-5A930235145A}" type="datetimeFigureOut">
               <a:rPr lang="en-US" smtClean="0"/>
-              <a:t>29-Mar-18</a:t>
+              <a:t>4/26/2018</a:t>
             </a:fld>
             <a:endParaRPr lang="en-US"/>
           </a:p>
@@ -1762,7 +1763,7 @@
           <a:p>
             <a:fld id="{CCED65F4-2A77-484B-94A0-5A930235145A}" type="datetimeFigureOut">
               <a:rPr lang="en-US" smtClean="0"/>
-              <a:t>29-Mar-18</a:t>
+              <a:t>4/26/2018</a:t>
             </a:fld>
             <a:endParaRPr lang="en-US"/>
           </a:p>
@@ -2103,7 +2104,7 @@
           <a:p>
             <a:fld id="{CCED65F4-2A77-484B-94A0-5A930235145A}" type="datetimeFigureOut">
               <a:rPr lang="en-US" smtClean="0"/>
-              <a:t>29-Mar-18</a:t>
+              <a:t>4/26/2018</a:t>
             </a:fld>
             <a:endParaRPr lang="en-US"/>
           </a:p>
@@ -2417,7 +2418,7 @@
           <a:p>
             <a:fld id="{CCED65F4-2A77-484B-94A0-5A930235145A}" type="datetimeFigureOut">
               <a:rPr lang="en-US" smtClean="0"/>
-              <a:t>29-Mar-18</a:t>
+              <a:t>4/26/2018</a:t>
             </a:fld>
             <a:endParaRPr lang="en-US"/>
           </a:p>
@@ -2810,7 +2811,7 @@
           <a:p>
             <a:fld id="{CCED65F4-2A77-484B-94A0-5A930235145A}" type="datetimeFigureOut">
               <a:rPr lang="en-US" smtClean="0"/>
-              <a:t>29-Mar-18</a:t>
+              <a:t>4/26/2018</a:t>
             </a:fld>
             <a:endParaRPr lang="en-US"/>
           </a:p>
@@ -2980,7 +2981,7 @@
           <a:p>
             <a:fld id="{CCED65F4-2A77-484B-94A0-5A930235145A}" type="datetimeFigureOut">
               <a:rPr lang="en-US" smtClean="0"/>
-              <a:t>29-Mar-18</a:t>
+              <a:t>4/26/2018</a:t>
             </a:fld>
             <a:endParaRPr lang="en-US"/>
           </a:p>
@@ -3160,7 +3161,7 @@
           <a:p>
             <a:fld id="{CCED65F4-2A77-484B-94A0-5A930235145A}" type="datetimeFigureOut">
               <a:rPr lang="en-US" smtClean="0"/>
-              <a:t>29-Mar-18</a:t>
+              <a:t>4/26/2018</a:t>
             </a:fld>
             <a:endParaRPr lang="en-US"/>
           </a:p>
@@ -3336,7 +3337,7 @@
           <a:p>
             <a:fld id="{CCED65F4-2A77-484B-94A0-5A930235145A}" type="datetimeFigureOut">
               <a:rPr lang="en-US" smtClean="0"/>
-              <a:t>29-Mar-18</a:t>
+              <a:t>4/26/2018</a:t>
             </a:fld>
             <a:endParaRPr lang="en-US"/>
           </a:p>
@@ -3583,7 +3584,7 @@
           <a:p>
             <a:fld id="{CCED65F4-2A77-484B-94A0-5A930235145A}" type="datetimeFigureOut">
               <a:rPr lang="en-US" smtClean="0"/>
-              <a:t>29-Mar-18</a:t>
+              <a:t>4/26/2018</a:t>
             </a:fld>
             <a:endParaRPr lang="en-US"/>
           </a:p>
@@ -3815,7 +3816,7 @@
           <a:p>
             <a:fld id="{CCED65F4-2A77-484B-94A0-5A930235145A}" type="datetimeFigureOut">
               <a:rPr lang="en-US" smtClean="0"/>
-              <a:t>29-Mar-18</a:t>
+              <a:t>4/26/2018</a:t>
             </a:fld>
             <a:endParaRPr lang="en-US"/>
           </a:p>
@@ -4189,7 +4190,7 @@
           <a:p>
             <a:fld id="{CCED65F4-2A77-484B-94A0-5A930235145A}" type="datetimeFigureOut">
               <a:rPr lang="en-US" smtClean="0"/>
-              <a:t>29-Mar-18</a:t>
+              <a:t>4/26/2018</a:t>
             </a:fld>
             <a:endParaRPr lang="en-US"/>
           </a:p>
@@ -4312,7 +4313,7 @@
           <a:p>
             <a:fld id="{CCED65F4-2A77-484B-94A0-5A930235145A}" type="datetimeFigureOut">
               <a:rPr lang="en-US" smtClean="0"/>
-              <a:t>29-Mar-18</a:t>
+              <a:t>4/26/2018</a:t>
             </a:fld>
             <a:endParaRPr lang="en-US"/>
           </a:p>
@@ -4407,7 +4408,7 @@
           <a:p>
             <a:fld id="{CCED65F4-2A77-484B-94A0-5A930235145A}" type="datetimeFigureOut">
               <a:rPr lang="en-US" smtClean="0"/>
-              <a:t>29-Mar-18</a:t>
+              <a:t>4/26/2018</a:t>
             </a:fld>
             <a:endParaRPr lang="en-US"/>
           </a:p>
@@ -4662,7 +4663,7 @@
           <a:p>
             <a:fld id="{CCED65F4-2A77-484B-94A0-5A930235145A}" type="datetimeFigureOut">
               <a:rPr lang="en-US" smtClean="0"/>
-              <a:t>29-Mar-18</a:t>
+              <a:t>4/26/2018</a:t>
             </a:fld>
             <a:endParaRPr lang="en-US"/>
           </a:p>
@@ -4925,7 +4926,7 @@
           <a:p>
             <a:fld id="{CCED65F4-2A77-484B-94A0-5A930235145A}" type="datetimeFigureOut">
               <a:rPr lang="en-US" smtClean="0"/>
-              <a:t>29-Mar-18</a:t>
+              <a:t>4/26/2018</a:t>
             </a:fld>
             <a:endParaRPr lang="en-US"/>
           </a:p>
@@ -5668,7 +5669,7 @@
           <a:p>
             <a:fld id="{CCED65F4-2A77-484B-94A0-5A930235145A}" type="datetimeFigureOut">
               <a:rPr lang="en-US" smtClean="0"/>
-              <a:t>29-Mar-18</a:t>
+              <a:t>4/26/2018</a:t>
             </a:fld>
             <a:endParaRPr lang="en-US"/>
           </a:p>
@@ -6283,6 +6284,86 @@
           <p:cNvPr id="2" name="Title 1">
             <a:extLst>
               <a:ext uri="{FF2B5EF4-FFF2-40B4-BE49-F238E27FC236}">
+                <a16:creationId xmlns:a16="http://schemas.microsoft.com/office/drawing/2014/main" id="{8C6DBE19-0C71-4EEF-AA1B-B1648FC5139B}"/>
+              </a:ext>
+            </a:extLst>
+          </p:cNvPr>
+          <p:cNvSpPr>
+            <a:spLocks noGrp="1"/>
+          </p:cNvSpPr>
+          <p:nvPr>
+            <p:ph type="title"/>
+          </p:nvPr>
+        </p:nvSpPr>
+        <p:spPr/>
+        <p:txBody>
+          <a:bodyPr/>
+          <a:lstStyle/>
+          <a:p>
+            <a:endParaRPr lang="en-US"/>
+          </a:p>
+        </p:txBody>
+      </p:sp>
+      <p:sp>
+        <p:nvSpPr>
+          <p:cNvPr id="3" name="Content Placeholder 2">
+            <a:extLst>
+              <a:ext uri="{FF2B5EF4-FFF2-40B4-BE49-F238E27FC236}">
+                <a16:creationId xmlns:a16="http://schemas.microsoft.com/office/drawing/2014/main" id="{D5CB62CA-B7AC-4AC9-8F0B-B79919DFD89A}"/>
+              </a:ext>
+            </a:extLst>
+          </p:cNvPr>
+          <p:cNvSpPr>
+            <a:spLocks noGrp="1"/>
+          </p:cNvSpPr>
+          <p:nvPr>
+            <p:ph idx="1"/>
+          </p:nvPr>
+        </p:nvSpPr>
+        <p:spPr/>
+        <p:txBody>
+          <a:bodyPr/>
+          <a:lstStyle/>
+          <a:p>
+            <a:endParaRPr lang="en-US"/>
+          </a:p>
+        </p:txBody>
+      </p:sp>
+    </p:spTree>
+    <p:extLst>
+      <p:ext uri="{BB962C8B-B14F-4D97-AF65-F5344CB8AC3E}">
+        <p14:creationId xmlns:p14="http://schemas.microsoft.com/office/powerpoint/2010/main" val="31894662"/>
+      </p:ext>
+    </p:extLst>
+  </p:cSld>
+  <p:clrMapOvr>
+    <a:masterClrMapping/>
+  </p:clrMapOvr>
+</p:sld>
+</file>
+
+<file path=ppt/slides/slide11.xml><?xml version="1.0" encoding="utf-8"?>
+<p:sld xmlns:a="http://schemas.openxmlformats.org/drawingml/2006/main" xmlns:r="http://schemas.openxmlformats.org/officeDocument/2006/relationships" xmlns:p="http://schemas.openxmlformats.org/presentationml/2006/main">
+  <p:cSld>
+    <p:spTree>
+      <p:nvGrpSpPr>
+        <p:cNvPr id="1" name=""/>
+        <p:cNvGrpSpPr/>
+        <p:nvPr/>
+      </p:nvGrpSpPr>
+      <p:grpSpPr>
+        <a:xfrm>
+          <a:off x="0" y="0"/>
+          <a:ext cx="0" cy="0"/>
+          <a:chOff x="0" y="0"/>
+          <a:chExt cx="0" cy="0"/>
+        </a:xfrm>
+      </p:grpSpPr>
+      <p:sp>
+        <p:nvSpPr>
+          <p:cNvPr id="2" name="Title 1">
+            <a:extLst>
+              <a:ext uri="{FF2B5EF4-FFF2-40B4-BE49-F238E27FC236}">
                 <a16:creationId xmlns:a16="http://schemas.microsoft.com/office/drawing/2014/main" id="{005707A5-BB14-4EBC-92DC-E530D87ED65A}"/>
               </a:ext>
             </a:extLst>
@@ -6341,7 +6422,7 @@
 </p:sld>
 </file>
 
-<file path=ppt/slides/slide11.xml><?xml version="1.0" encoding="utf-8"?>
+<file path=ppt/slides/slide12.xml><?xml version="1.0" encoding="utf-8"?>
 <p:sld xmlns:a="http://schemas.openxmlformats.org/drawingml/2006/main" xmlns:r="http://schemas.openxmlformats.org/officeDocument/2006/relationships" xmlns:p="http://schemas.openxmlformats.org/presentationml/2006/main">
   <p:cSld>
     <p:bg>
@@ -7168,14 +7249,6 @@
 <file path=ppt/slides/slide2.xml><?xml version="1.0" encoding="utf-8"?>
 <p:sld xmlns:a="http://schemas.openxmlformats.org/drawingml/2006/main" xmlns:r="http://schemas.openxmlformats.org/officeDocument/2006/relationships" xmlns:p="http://schemas.openxmlformats.org/presentationml/2006/main">
   <p:cSld>
-    <p:bg>
-      <p:bgPr>
-        <a:solidFill>
-          <a:schemeClr val="bg1"/>
-        </a:solidFill>
-        <a:effectLst/>
-      </p:bgPr>
-    </p:bg>
     <p:spTree>
       <p:nvGrpSpPr>
         <p:cNvPr id="1" name=""/>
@@ -7190,50 +7263,6 @@
           <a:chExt cx="0" cy="0"/>
         </a:xfrm>
       </p:grpSpPr>
-      <p:cxnSp>
-        <p:nvCxnSpPr>
-          <p:cNvPr id="8" name="Straight Connector 7">
-            <a:extLst>
-              <a:ext uri="{FF2B5EF4-FFF2-40B4-BE49-F238E27FC236}">
-                <a16:creationId xmlns:a16="http://schemas.microsoft.com/office/drawing/2014/main" id="{0B5F7E3B-C5F1-40E0-A491-558BAFBC1127}"/>
-              </a:ext>
-            </a:extLst>
-          </p:cNvPr>
-          <p:cNvCxnSpPr>
-            <a:cxnSpLocks noGrp="1" noRot="1" noChangeAspect="1" noMove="1" noResize="1" noEditPoints="1" noAdjustHandles="1" noChangeArrowheads="1" noChangeShapeType="1"/>
-          </p:cNvCxnSpPr>
-          <p:nvPr>
-            <p:extLst>
-              <p:ext uri="{386F3935-93C4-4BCD-93E2-E3B085C9AB24}">
-                <p16:designElem xmlns:p16="http://schemas.microsoft.com/office/powerpoint/2015/main" val="1"/>
-              </p:ext>
-            </p:extLst>
-          </p:nvPr>
-        </p:nvCxnSpPr>
-        <p:spPr>
-          <a:xfrm>
-            <a:off x="4241804" y="1460500"/>
-            <a:ext cx="0" cy="3937000"/>
-          </a:xfrm>
-          <a:prstGeom prst="line">
-            <a:avLst/>
-          </a:prstGeom>
-        </p:spPr>
-        <p:style>
-          <a:lnRef idx="1">
-            <a:schemeClr val="accent1"/>
-          </a:lnRef>
-          <a:fillRef idx="0">
-            <a:schemeClr val="accent1"/>
-          </a:fillRef>
-          <a:effectRef idx="0">
-            <a:schemeClr val="accent1"/>
-          </a:effectRef>
-          <a:fontRef idx="minor">
-            <a:schemeClr val="tx1"/>
-          </a:fontRef>
-        </p:style>
-      </p:cxnSp>
       <p:sp>
         <p:nvSpPr>
           <p:cNvPr id="2" name="Title 1">
@@ -7263,10 +7292,9 @@
           <a:lstStyle/>
           <a:p>
             <a:r>
-              <a:rPr lang="en-US"/>
+              <a:rPr lang="en-US" dirty="0"/>
               <a:t>Enhancements</a:t>
             </a:r>
-            <a:endParaRPr lang="en-US" dirty="0"/>
           </a:p>
         </p:txBody>
       </p:sp>
@@ -7301,14 +7329,21 @@
             <a:pPr lvl="1"/>
             <a:r>
               <a:rPr lang="en-US" dirty="0"/>
-              <a:t>Sales on hold </a:t>
+              <a:t>Sales Functionality</a:t>
             </a:r>
           </a:p>
           <a:p>
             <a:pPr lvl="1"/>
             <a:r>
               <a:rPr lang="en-US" dirty="0"/>
-              <a:t>Layaways</a:t>
+              <a:t>Invoice</a:t>
+            </a:r>
+          </a:p>
+          <a:p>
+            <a:pPr lvl="1"/>
+            <a:r>
+              <a:rPr lang="en-US" dirty="0"/>
+              <a:t>Hold &amp; Layaway</a:t>
             </a:r>
           </a:p>
           <a:p>
@@ -7319,43 +7354,25 @@
             </a:r>
             <a:r>
               <a:rPr lang="en-US" dirty="0"/>
-              <a:t> report and finalizing</a:t>
+              <a:t> Process</a:t>
             </a:r>
           </a:p>
           <a:p>
             <a:pPr lvl="1"/>
             <a:r>
+              <a:rPr lang="en-US" dirty="0" err="1"/>
+              <a:t>Cashout</a:t>
+            </a:r>
+            <a:r>
               <a:rPr lang="en-US" dirty="0"/>
-              <a:t>Process </a:t>
-            </a:r>
-            <a:r>
-              <a:rPr lang="en-US" dirty="0" err="1"/>
-              <a:t>cashout</a:t>
-            </a:r>
+              <a:t> Report</a:t>
+            </a:r>
+          </a:p>
+          <a:p>
+            <a:pPr lvl="1"/>
             <a:r>
               <a:rPr lang="en-US" dirty="0"/>
-              <a:t> button location change</a:t>
-            </a:r>
-          </a:p>
-          <a:p>
-            <a:pPr lvl="1"/>
-            <a:r>
-              <a:rPr lang="en-US" dirty="0"/>
-              <a:t>Invoice printing </a:t>
-            </a:r>
-          </a:p>
-          <a:p>
-            <a:pPr lvl="1"/>
-            <a:r>
-              <a:rPr lang="en-US" dirty="0"/>
-              <a:t>Shipping amount</a:t>
-            </a:r>
-          </a:p>
-          <a:p>
-            <a:pPr lvl="1"/>
-            <a:r>
-              <a:rPr lang="en-US" dirty="0"/>
-              <a:t>Comments are shown on the inventory search page</a:t>
+              <a:t>Inventory Home Page</a:t>
             </a:r>
           </a:p>
           <a:p>
@@ -7367,7 +7384,7 @@
     </p:spTree>
     <p:extLst>
       <p:ext uri="{BB962C8B-B14F-4D97-AF65-F5344CB8AC3E}">
-        <p14:creationId xmlns:p14="http://schemas.microsoft.com/office/powerpoint/2010/main" val="1270080788"/>
+        <p14:creationId xmlns:p14="http://schemas.microsoft.com/office/powerpoint/2010/main" val="3834118798"/>
       </p:ext>
     </p:extLst>
   </p:cSld>
@@ -7378,6 +7395,159 @@
 </file>
 
 <file path=ppt/slides/slide3.xml><?xml version="1.0" encoding="utf-8"?>
+<p:sld xmlns:a="http://schemas.openxmlformats.org/drawingml/2006/main" xmlns:r="http://schemas.openxmlformats.org/officeDocument/2006/relationships" xmlns:p="http://schemas.openxmlformats.org/presentationml/2006/main">
+  <p:cSld>
+    <p:spTree>
+      <p:nvGrpSpPr>
+        <p:cNvPr id="1" name=""/>
+        <p:cNvGrpSpPr/>
+        <p:nvPr/>
+      </p:nvGrpSpPr>
+      <p:grpSpPr>
+        <a:xfrm>
+          <a:off x="0" y="0"/>
+          <a:ext cx="0" cy="0"/>
+          <a:chOff x="0" y="0"/>
+          <a:chExt cx="0" cy="0"/>
+        </a:xfrm>
+      </p:grpSpPr>
+      <p:sp>
+        <p:nvSpPr>
+          <p:cNvPr id="2" name="Title 1">
+            <a:extLst>
+              <a:ext uri="{FF2B5EF4-FFF2-40B4-BE49-F238E27FC236}">
+                <a16:creationId xmlns:a16="http://schemas.microsoft.com/office/drawing/2014/main" id="{5D91DF71-FF0D-425C-A15A-A871FDFBEDA8}"/>
+              </a:ext>
+            </a:extLst>
+          </p:cNvPr>
+          <p:cNvSpPr>
+            <a:spLocks noGrp="1"/>
+          </p:cNvSpPr>
+          <p:nvPr>
+            <p:ph type="title"/>
+          </p:nvPr>
+        </p:nvSpPr>
+        <p:spPr>
+          <a:xfrm>
+            <a:off x="677334" y="609600"/>
+            <a:ext cx="8596668" cy="819807"/>
+          </a:xfrm>
+        </p:spPr>
+        <p:txBody>
+          <a:bodyPr/>
+          <a:lstStyle/>
+          <a:p>
+            <a:r>
+              <a:rPr lang="en-US" dirty="0"/>
+              <a:t>Sales Functionality</a:t>
+            </a:r>
+          </a:p>
+        </p:txBody>
+      </p:sp>
+      <p:sp>
+        <p:nvSpPr>
+          <p:cNvPr id="3" name="Content Placeholder 2">
+            <a:extLst>
+              <a:ext uri="{FF2B5EF4-FFF2-40B4-BE49-F238E27FC236}">
+                <a16:creationId xmlns:a16="http://schemas.microsoft.com/office/drawing/2014/main" id="{A1E82CB2-2016-4B50-BB8F-B51EE1F02744}"/>
+              </a:ext>
+            </a:extLst>
+          </p:cNvPr>
+          <p:cNvSpPr>
+            <a:spLocks noGrp="1"/>
+          </p:cNvSpPr>
+          <p:nvPr>
+            <p:ph idx="1"/>
+          </p:nvPr>
+        </p:nvSpPr>
+        <p:spPr>
+          <a:xfrm>
+            <a:off x="677334" y="1660635"/>
+            <a:ext cx="6063018" cy="4380728"/>
+          </a:xfrm>
+        </p:spPr>
+        <p:txBody>
+          <a:bodyPr/>
+          <a:lstStyle/>
+          <a:p>
+            <a:r>
+              <a:rPr lang="en-US" dirty="0"/>
+              <a:t>When in a Sale there is some new functionality that you will notice. The first to make note of is the is that the In Store and Shipping radial buttons are no longer functional. To charge shipping change the amount in the shipping box to anything other than $0.00. This will automatically switch the radial button from In Store to Shipping. Changing the amount back to $0.00 will reverse the radial button change. </a:t>
+            </a:r>
+            <a:r>
+              <a:rPr lang="en-US" dirty="0">
+                <a:solidFill>
+                  <a:schemeClr val="accent4">
+                    <a:lumMod val="50000"/>
+                  </a:schemeClr>
+                </a:solidFill>
+              </a:rPr>
+              <a:t>(Dark Brown)</a:t>
+            </a:r>
+          </a:p>
+          <a:p>
+            <a:r>
+              <a:rPr lang="en-US" dirty="0"/>
+              <a:t>Next will be the Clear Search Results button, this will essentially just as the name suggests clear the grid of previously searched items showing no results. </a:t>
+            </a:r>
+            <a:r>
+              <a:rPr lang="en-US" dirty="0">
+                <a:solidFill>
+                  <a:schemeClr val="accent4">
+                    <a:lumMod val="60000"/>
+                    <a:lumOff val="40000"/>
+                  </a:schemeClr>
+                </a:solidFill>
+              </a:rPr>
+              <a:t>(Light Brown)</a:t>
+            </a:r>
+          </a:p>
+        </p:txBody>
+      </p:sp>
+      <p:pic>
+        <p:nvPicPr>
+          <p:cNvPr id="6" name="Picture 5">
+            <a:extLst>
+              <a:ext uri="{FF2B5EF4-FFF2-40B4-BE49-F238E27FC236}">
+                <a16:creationId xmlns:a16="http://schemas.microsoft.com/office/drawing/2014/main" id="{3BBB9A07-5857-46F1-893C-A8AE4C13C7BD}"/>
+              </a:ext>
+            </a:extLst>
+          </p:cNvPr>
+          <p:cNvPicPr>
+            <a:picLocks noChangeAspect="1"/>
+          </p:cNvPicPr>
+          <p:nvPr/>
+        </p:nvPicPr>
+        <p:blipFill>
+          <a:blip r:embed="rId2"/>
+          <a:stretch>
+            <a:fillRect/>
+          </a:stretch>
+        </p:blipFill>
+        <p:spPr>
+          <a:xfrm>
+            <a:off x="6740352" y="1660635"/>
+            <a:ext cx="5067300" cy="3028950"/>
+          </a:xfrm>
+          <a:prstGeom prst="rect">
+            <a:avLst/>
+          </a:prstGeom>
+        </p:spPr>
+      </p:pic>
+    </p:spTree>
+    <p:extLst>
+      <p:ext uri="{BB962C8B-B14F-4D97-AF65-F5344CB8AC3E}">
+        <p14:creationId xmlns:p14="http://schemas.microsoft.com/office/powerpoint/2010/main" val="4099630314"/>
+      </p:ext>
+    </p:extLst>
+  </p:cSld>
+  <p:clrMapOvr>
+    <a:masterClrMapping/>
+  </p:clrMapOvr>
+</p:sld>
+</file>
+
+<file path=ppt/slides/slide4.xml><?xml version="1.0" encoding="utf-8"?>
 <p:sld xmlns:a="http://schemas.openxmlformats.org/drawingml/2006/main" xmlns:r="http://schemas.openxmlformats.org/officeDocument/2006/relationships" xmlns:p="http://schemas.openxmlformats.org/presentationml/2006/main">
   <p:cSld>
     <p:spTree>
@@ -7545,7 +7715,7 @@
 </p:sld>
 </file>
 
-<file path=ppt/slides/slide4.xml><?xml version="1.0" encoding="utf-8"?>
+<file path=ppt/slides/slide5.xml><?xml version="1.0" encoding="utf-8"?>
 <p:sld xmlns:a="http://schemas.openxmlformats.org/drawingml/2006/main" xmlns:r="http://schemas.openxmlformats.org/officeDocument/2006/relationships" xmlns:p="http://schemas.openxmlformats.org/presentationml/2006/main">
   <p:cSld>
     <p:spTree>
@@ -7667,7 +7837,7 @@
 </p:sld>
 </file>
 
-<file path=ppt/slides/slide5.xml><?xml version="1.0" encoding="utf-8"?>
+<file path=ppt/slides/slide6.xml><?xml version="1.0" encoding="utf-8"?>
 <p:sld xmlns:a="http://schemas.openxmlformats.org/drawingml/2006/main" xmlns:r="http://schemas.openxmlformats.org/officeDocument/2006/relationships" xmlns:p="http://schemas.openxmlformats.org/presentationml/2006/main">
   <p:cSld>
     <p:spTree>
@@ -7799,7 +7969,7 @@
 </p:sld>
 </file>
 
-<file path=ppt/slides/slide6.xml><?xml version="1.0" encoding="utf-8"?>
+<file path=ppt/slides/slide7.xml><?xml version="1.0" encoding="utf-8"?>
 <p:sld xmlns:a="http://schemas.openxmlformats.org/drawingml/2006/main" xmlns:r="http://schemas.openxmlformats.org/officeDocument/2006/relationships" xmlns:p="http://schemas.openxmlformats.org/presentationml/2006/main">
   <p:cSld>
     <p:spTree>
@@ -7921,7 +8091,7 @@
 </p:sld>
 </file>
 
-<file path=ppt/slides/slide7.xml><?xml version="1.0" encoding="utf-8"?>
+<file path=ppt/slides/slide8.xml><?xml version="1.0" encoding="utf-8"?>
 <p:sld xmlns:a="http://schemas.openxmlformats.org/drawingml/2006/main" xmlns:r="http://schemas.openxmlformats.org/officeDocument/2006/relationships" xmlns:p="http://schemas.openxmlformats.org/presentationml/2006/main">
   <p:cSld>
     <p:spTree>
@@ -8019,7 +8189,7 @@
 </p:sld>
 </file>
 
-<file path=ppt/slides/slide8.xml><?xml version="1.0" encoding="utf-8"?>
+<file path=ppt/slides/slide9.xml><?xml version="1.0" encoding="utf-8"?>
 <p:sld xmlns:a="http://schemas.openxmlformats.org/drawingml/2006/main" xmlns:r="http://schemas.openxmlformats.org/officeDocument/2006/relationships" xmlns:p="http://schemas.openxmlformats.org/presentationml/2006/main">
   <p:cSld>
     <p:spTree>
@@ -8194,86 +8364,6 @@
     <p:extLst>
       <p:ext uri="{BB962C8B-B14F-4D97-AF65-F5344CB8AC3E}">
         <p14:creationId xmlns:p14="http://schemas.microsoft.com/office/powerpoint/2010/main" val="211088011"/>
-      </p:ext>
-    </p:extLst>
-  </p:cSld>
-  <p:clrMapOvr>
-    <a:masterClrMapping/>
-  </p:clrMapOvr>
-</p:sld>
-</file>
-
-<file path=ppt/slides/slide9.xml><?xml version="1.0" encoding="utf-8"?>
-<p:sld xmlns:a="http://schemas.openxmlformats.org/drawingml/2006/main" xmlns:r="http://schemas.openxmlformats.org/officeDocument/2006/relationships" xmlns:p="http://schemas.openxmlformats.org/presentationml/2006/main">
-  <p:cSld>
-    <p:spTree>
-      <p:nvGrpSpPr>
-        <p:cNvPr id="1" name=""/>
-        <p:cNvGrpSpPr/>
-        <p:nvPr/>
-      </p:nvGrpSpPr>
-      <p:grpSpPr>
-        <a:xfrm>
-          <a:off x="0" y="0"/>
-          <a:ext cx="0" cy="0"/>
-          <a:chOff x="0" y="0"/>
-          <a:chExt cx="0" cy="0"/>
-        </a:xfrm>
-      </p:grpSpPr>
-      <p:sp>
-        <p:nvSpPr>
-          <p:cNvPr id="2" name="Title 1">
-            <a:extLst>
-              <a:ext uri="{FF2B5EF4-FFF2-40B4-BE49-F238E27FC236}">
-                <a16:creationId xmlns:a16="http://schemas.microsoft.com/office/drawing/2014/main" id="{8C6DBE19-0C71-4EEF-AA1B-B1648FC5139B}"/>
-              </a:ext>
-            </a:extLst>
-          </p:cNvPr>
-          <p:cNvSpPr>
-            <a:spLocks noGrp="1"/>
-          </p:cNvSpPr>
-          <p:nvPr>
-            <p:ph type="title"/>
-          </p:nvPr>
-        </p:nvSpPr>
-        <p:spPr/>
-        <p:txBody>
-          <a:bodyPr/>
-          <a:lstStyle/>
-          <a:p>
-            <a:endParaRPr lang="en-US"/>
-          </a:p>
-        </p:txBody>
-      </p:sp>
-      <p:sp>
-        <p:nvSpPr>
-          <p:cNvPr id="3" name="Content Placeholder 2">
-            <a:extLst>
-              <a:ext uri="{FF2B5EF4-FFF2-40B4-BE49-F238E27FC236}">
-                <a16:creationId xmlns:a16="http://schemas.microsoft.com/office/drawing/2014/main" id="{D5CB62CA-B7AC-4AC9-8F0B-B79919DFD89A}"/>
-              </a:ext>
-            </a:extLst>
-          </p:cNvPr>
-          <p:cNvSpPr>
-            <a:spLocks noGrp="1"/>
-          </p:cNvSpPr>
-          <p:nvPr>
-            <p:ph idx="1"/>
-          </p:nvPr>
-        </p:nvSpPr>
-        <p:spPr/>
-        <p:txBody>
-          <a:bodyPr/>
-          <a:lstStyle/>
-          <a:p>
-            <a:endParaRPr lang="en-US"/>
-          </a:p>
-        </p:txBody>
-      </p:sp>
-    </p:spTree>
-    <p:extLst>
-      <p:ext uri="{BB962C8B-B14F-4D97-AF65-F5344CB8AC3E}">
-        <p14:creationId xmlns:p14="http://schemas.microsoft.com/office/powerpoint/2010/main" val="31894662"/>
       </p:ext>
     </p:extLst>
   </p:cSld>
